--- a/CA1/PartA/Fashion Mnsit .pptx
+++ b/CA1/PartA/Fashion Mnsit .pptx
@@ -33,29 +33,29 @@
   <p:notesSz cx="6858000" cy="9144000"/>
   <p:embeddedFontLst>
     <p:embeddedFont>
-      <p:font typeface="Nunito" panose="020B0604020202020204" charset="0"/>
+      <p:font typeface="Raleway" panose="020B0604020202020204" charset="0"/>
       <p:regular r:id="rId23"/>
       <p:bold r:id="rId24"/>
       <p:italic r:id="rId25"/>
       <p:boldItalic r:id="rId26"/>
     </p:embeddedFont>
     <p:embeddedFont>
-      <p:font typeface="Raleway" panose="020B0604020202020204" charset="0"/>
+      <p:font typeface="Nunito" panose="020B0604020202020204" charset="0"/>
       <p:regular r:id="rId27"/>
       <p:bold r:id="rId28"/>
       <p:italic r:id="rId29"/>
       <p:boldItalic r:id="rId30"/>
     </p:embeddedFont>
     <p:embeddedFont>
-      <p:font typeface="Bebas Neue" panose="020B0604020202020204" charset="0"/>
+      <p:font typeface="Raleway Medium" panose="020B0604020202020204" charset="0"/>
       <p:regular r:id="rId31"/>
+      <p:bold r:id="rId32"/>
+      <p:italic r:id="rId33"/>
+      <p:boldItalic r:id="rId34"/>
     </p:embeddedFont>
     <p:embeddedFont>
-      <p:font typeface="Raleway Medium" panose="020B0604020202020204" charset="0"/>
-      <p:regular r:id="rId32"/>
-      <p:bold r:id="rId33"/>
-      <p:italic r:id="rId34"/>
-      <p:boldItalic r:id="rId35"/>
+      <p:font typeface="Bebas Neue" panose="020B0604020202020204" charset="0"/>
+      <p:regular r:id="rId35"/>
     </p:embeddedFont>
   </p:embeddedFontLst>
   <p:defaultTextStyle>
@@ -15354,7 +15354,7 @@
                 <a:hlinkClick r:id="rId2">
                   <a:extLst>
                     <a:ext uri="{A12FA001-AC4F-418D-AE19-62706E023703}">
-                      <ahyp:hlinkClr xmlns="" xmlns:mc="http://schemas.openxmlformats.org/markup-compatibility/2006" xmlns:mv="urn:schemas-microsoft-com:mac:vml" xmlns:c="http://schemas.openxmlformats.org/drawingml/2006/chart" xmlns:dgm="http://schemas.openxmlformats.org/drawingml/2006/diagram" xmlns:o="urn:schemas-microsoft-com:office:office" xmlns:v="urn:schemas-microsoft-com:vml" xmlns:pvml="urn:schemas-microsoft-com:office:powerpoint" xmlns:com="http://schemas.openxmlformats.org/drawingml/2006/compatibility" xmlns:p14="http://schemas.microsoft.com/office/powerpoint/2010/main" xmlns:p15="http://schemas.microsoft.com/office/powerpoint/2012/main" xmlns:ahyp="http://schemas.microsoft.com/office/drawing/2018/hyperlinkcolor" val="tx"/>
+                      <ahyp:hlinkClr xmlns:ahyp="http://schemas.microsoft.com/office/drawing/2018/hyperlinkcolor" xmlns:p15="http://schemas.microsoft.com/office/powerpoint/2012/main" xmlns:p14="http://schemas.microsoft.com/office/powerpoint/2010/main" xmlns:com="http://schemas.openxmlformats.org/drawingml/2006/compatibility" xmlns:pvml="urn:schemas-microsoft-com:office:powerpoint" xmlns:v="urn:schemas-microsoft-com:vml" xmlns:o="urn:schemas-microsoft-com:office:office" xmlns:dgm="http://schemas.openxmlformats.org/drawingml/2006/diagram" xmlns:c="http://schemas.openxmlformats.org/drawingml/2006/chart" xmlns:mv="urn:schemas-microsoft-com:mac:vml" xmlns:mc="http://schemas.openxmlformats.org/markup-compatibility/2006" xmlns="" val="tx"/>
                     </a:ext>
                   </a:extLst>
                 </a:hlinkClick>
@@ -15388,7 +15388,7 @@
                 <a:hlinkClick r:id="rId3">
                   <a:extLst>
                     <a:ext uri="{A12FA001-AC4F-418D-AE19-62706E023703}">
-                      <ahyp:hlinkClr xmlns="" xmlns:mc="http://schemas.openxmlformats.org/markup-compatibility/2006" xmlns:mv="urn:schemas-microsoft-com:mac:vml" xmlns:c="http://schemas.openxmlformats.org/drawingml/2006/chart" xmlns:dgm="http://schemas.openxmlformats.org/drawingml/2006/diagram" xmlns:o="urn:schemas-microsoft-com:office:office" xmlns:v="urn:schemas-microsoft-com:vml" xmlns:pvml="urn:schemas-microsoft-com:office:powerpoint" xmlns:com="http://schemas.openxmlformats.org/drawingml/2006/compatibility" xmlns:p14="http://schemas.microsoft.com/office/powerpoint/2010/main" xmlns:p15="http://schemas.microsoft.com/office/powerpoint/2012/main" xmlns:ahyp="http://schemas.microsoft.com/office/drawing/2018/hyperlinkcolor" val="tx"/>
+                      <ahyp:hlinkClr xmlns:ahyp="http://schemas.microsoft.com/office/drawing/2018/hyperlinkcolor" xmlns:p15="http://schemas.microsoft.com/office/powerpoint/2012/main" xmlns:p14="http://schemas.microsoft.com/office/powerpoint/2010/main" xmlns:com="http://schemas.openxmlformats.org/drawingml/2006/compatibility" xmlns:pvml="urn:schemas-microsoft-com:office:powerpoint" xmlns:v="urn:schemas-microsoft-com:vml" xmlns:o="urn:schemas-microsoft-com:office:office" xmlns:dgm="http://schemas.openxmlformats.org/drawingml/2006/diagram" xmlns:c="http://schemas.openxmlformats.org/drawingml/2006/chart" xmlns:mv="urn:schemas-microsoft-com:mac:vml" xmlns:mc="http://schemas.openxmlformats.org/markup-compatibility/2006" xmlns="" val="tx"/>
                     </a:ext>
                   </a:extLst>
                 </a:hlinkClick>
@@ -15422,7 +15422,7 @@
                 <a:hlinkClick r:id="rId4">
                   <a:extLst>
                     <a:ext uri="{A12FA001-AC4F-418D-AE19-62706E023703}">
-                      <ahyp:hlinkClr xmlns="" xmlns:mc="http://schemas.openxmlformats.org/markup-compatibility/2006" xmlns:mv="urn:schemas-microsoft-com:mac:vml" xmlns:c="http://schemas.openxmlformats.org/drawingml/2006/chart" xmlns:dgm="http://schemas.openxmlformats.org/drawingml/2006/diagram" xmlns:o="urn:schemas-microsoft-com:office:office" xmlns:v="urn:schemas-microsoft-com:vml" xmlns:pvml="urn:schemas-microsoft-com:office:powerpoint" xmlns:com="http://schemas.openxmlformats.org/drawingml/2006/compatibility" xmlns:p14="http://schemas.microsoft.com/office/powerpoint/2010/main" xmlns:p15="http://schemas.microsoft.com/office/powerpoint/2012/main" xmlns:ahyp="http://schemas.microsoft.com/office/drawing/2018/hyperlinkcolor" val="tx"/>
+                      <ahyp:hlinkClr xmlns:ahyp="http://schemas.microsoft.com/office/drawing/2018/hyperlinkcolor" xmlns:p15="http://schemas.microsoft.com/office/powerpoint/2012/main" xmlns:p14="http://schemas.microsoft.com/office/powerpoint/2010/main" xmlns:com="http://schemas.openxmlformats.org/drawingml/2006/compatibility" xmlns:pvml="urn:schemas-microsoft-com:office:powerpoint" xmlns:v="urn:schemas-microsoft-com:vml" xmlns:o="urn:schemas-microsoft-com:office:office" xmlns:dgm="http://schemas.openxmlformats.org/drawingml/2006/diagram" xmlns:c="http://schemas.openxmlformats.org/drawingml/2006/chart" xmlns:mv="urn:schemas-microsoft-com:mac:vml" xmlns:mc="http://schemas.openxmlformats.org/markup-compatibility/2006" xmlns="" val="tx"/>
                     </a:ext>
                   </a:extLst>
                 </a:hlinkClick>
@@ -32502,11 +32502,7 @@
             </a:r>
             <a:r>
               <a:rPr lang="en" dirty="0" smtClean="0"/>
-              <a:t>augmented model </a:t>
-            </a:r>
-            <a:r>
-              <a:rPr lang="en" dirty="0" smtClean="0"/>
-              <a:t>architecture AND EVALUATION</a:t>
+              <a:t>augmented model architecture AND EVALUATION</a:t>
             </a:r>
             <a:endParaRPr dirty="0"/>
           </a:p>
@@ -35628,10 +35624,10 @@
               <a:buNone/>
             </a:pPr>
             <a:r>
-              <a:rPr lang="en"/>
+              <a:rPr lang="en" dirty="0"/>
               <a:t>Conclusion</a:t>
             </a:r>
-            <a:endParaRPr/>
+            <a:endParaRPr dirty="0"/>
           </a:p>
         </p:txBody>
       </p:sp>
@@ -36119,7 +36115,7 @@
         </p:nvSpPr>
         <p:spPr>
           <a:xfrm>
-            <a:off x="1458125" y="1416700"/>
+            <a:off x="1617152" y="1748211"/>
             <a:ext cx="6227700" cy="1740300"/>
           </a:xfrm>
           <a:prstGeom prst="rect">
@@ -36147,10 +36143,10 @@
               <a:buNone/>
             </a:pPr>
             <a:r>
-              <a:rPr lang="en" sz="1400"/>
+              <a:rPr lang="en" sz="1400" dirty="0"/>
               <a:t>Final Verdict non-augmented hyper model- improve by 0.5-1%</a:t>
             </a:r>
-            <a:endParaRPr sz="1400"/>
+            <a:endParaRPr sz="1400" dirty="0"/>
           </a:p>
           <a:p>
             <a:pPr marL="0" lvl="0" indent="0" algn="l" rtl="0">
@@ -36163,10 +36159,10 @@
               <a:buNone/>
             </a:pPr>
             <a:r>
-              <a:rPr lang="en" sz="1400"/>
+              <a:rPr lang="en" sz="1400" dirty="0"/>
               <a:t>Final Verdict augmented hyper model - improve to 93% (best)</a:t>
             </a:r>
-            <a:endParaRPr sz="1400"/>
+            <a:endParaRPr sz="1400" dirty="0"/>
           </a:p>
           <a:p>
             <a:pPr marL="0" lvl="0" indent="0" algn="l" rtl="0">
@@ -36178,7 +36174,7 @@
               </a:spcAft>
               <a:buNone/>
             </a:pPr>
-            <a:endParaRPr sz="1400"/>
+            <a:endParaRPr sz="1400" dirty="0"/>
           </a:p>
           <a:p>
             <a:pPr marL="0" lvl="0" indent="0" algn="l" rtl="0">
@@ -36196,10 +36192,10 @@
               <a:buNone/>
             </a:pPr>
             <a:r>
-              <a:rPr lang="en" sz="1400"/>
+              <a:rPr lang="en" sz="1400" dirty="0"/>
               <a:t>Both hyper models took the longest to run as the hyperband tuner search on normal and augmented train data took over 40 trials</a:t>
             </a:r>
-            <a:endParaRPr sz="1400"/>
+            <a:endParaRPr sz="1400" dirty="0"/>
           </a:p>
           <a:p>
             <a:pPr marL="0" lvl="0" indent="0" algn="ctr" rtl="0">
@@ -36211,7 +36207,7 @@
               </a:spcAft>
               <a:buNone/>
             </a:pPr>
-            <a:endParaRPr/>
+            <a:endParaRPr dirty="0"/>
           </a:p>
         </p:txBody>
       </p:sp>

--- a/CA1/PartA/Fashion Mnsit .pptx
+++ b/CA1/PartA/Fashion Mnsit .pptx
@@ -33,7 +33,7 @@
   <p:notesSz cx="6858000" cy="9144000"/>
   <p:embeddedFontLst>
     <p:embeddedFont>
-      <p:font typeface="Raleway" panose="020B0604020202020204" charset="0"/>
+      <p:font typeface="Raleway Medium" panose="020B0604020202020204" charset="0"/>
       <p:regular r:id="rId23"/>
       <p:bold r:id="rId24"/>
       <p:italic r:id="rId25"/>
@@ -47,15 +47,15 @@
       <p:boldItalic r:id="rId30"/>
     </p:embeddedFont>
     <p:embeddedFont>
-      <p:font typeface="Raleway Medium" panose="020B0604020202020204" charset="0"/>
+      <p:font typeface="Bebas Neue" panose="020B0604020202020204" charset="0"/>
       <p:regular r:id="rId31"/>
-      <p:bold r:id="rId32"/>
-      <p:italic r:id="rId33"/>
-      <p:boldItalic r:id="rId34"/>
     </p:embeddedFont>
     <p:embeddedFont>
-      <p:font typeface="Bebas Neue" panose="020B0604020202020204" charset="0"/>
-      <p:regular r:id="rId35"/>
+      <p:font typeface="Raleway" panose="020B0604020202020204" charset="0"/>
+      <p:regular r:id="rId32"/>
+      <p:bold r:id="rId33"/>
+      <p:italic r:id="rId34"/>
+      <p:boldItalic r:id="rId35"/>
     </p:embeddedFont>
   </p:embeddedFontLst>
   <p:defaultTextStyle>
@@ -2013,7 +2013,7 @@
         </p:nvSpPr>
         <p:spPr>
           <a:xfrm>
-            <a:off x="381300" y="685800"/>
+            <a:off x="381000" y="685800"/>
             <a:ext cx="6096000" cy="3429000"/>
           </a:xfrm>
           <a:custGeom>
@@ -30008,8 +30008,8 @@
         </p:blipFill>
         <p:spPr>
           <a:xfrm>
-            <a:off x="905581" y="1354679"/>
-            <a:ext cx="2551044" cy="880899"/>
+            <a:off x="878336" y="1178282"/>
+            <a:ext cx="2931663" cy="1193857"/>
           </a:xfrm>
           <a:prstGeom prst="rect">
             <a:avLst/>
@@ -38052,7 +38052,7 @@
         </p:nvSpPr>
         <p:spPr>
           <a:xfrm>
-            <a:off x="2429950" y="723341"/>
+            <a:off x="2402856" y="2031335"/>
             <a:ext cx="4284000" cy="997800"/>
           </a:xfrm>
           <a:prstGeom prst="rect">
@@ -38075,1522 +38075,10 @@
               <a:buNone/>
             </a:pPr>
             <a:r>
-              <a:rPr lang="en"/>
+              <a:rPr lang="en" dirty="0"/>
               <a:t>THANKS</a:t>
             </a:r>
-            <a:endParaRPr/>
-          </a:p>
-        </p:txBody>
-      </p:sp>
-      <p:sp>
-        <p:nvSpPr>
-          <p:cNvPr id="1057" name="Google Shape;1057;p76"/>
-          <p:cNvSpPr txBox="1">
-            <a:spLocks noGrp="1"/>
-          </p:cNvSpPr>
-          <p:nvPr>
-            <p:ph type="subTitle" idx="1"/>
-          </p:nvPr>
-        </p:nvSpPr>
-        <p:spPr>
-          <a:xfrm>
-            <a:off x="2687700" y="2227616"/>
-            <a:ext cx="3778800" cy="1279800"/>
-          </a:xfrm>
-          <a:prstGeom prst="rect">
-            <a:avLst/>
-          </a:prstGeom>
-        </p:spPr>
-        <p:txBody>
-          <a:bodyPr spcFirstLastPara="1" wrap="square" lIns="91425" tIns="91425" rIns="91425" bIns="91425" anchor="ctr" anchorCtr="0">
-            <a:noAutofit/>
-          </a:bodyPr>
-          <a:lstStyle/>
-          <a:p>
-            <a:pPr marL="0" lvl="0" indent="0" algn="ctr" rtl="0">
-              <a:spcBef>
-                <a:spcPts val="0"/>
-              </a:spcBef>
-              <a:spcAft>
-                <a:spcPts val="0"/>
-              </a:spcAft>
-              <a:buClr>
-                <a:schemeClr val="hlink"/>
-              </a:buClr>
-              <a:buSzPts val="1100"/>
-              <a:buFont typeface="Arial"/>
-              <a:buNone/>
-            </a:pPr>
-            <a:r>
-              <a:rPr lang="en" b="1">
-                <a:solidFill>
-                  <a:schemeClr val="accent2"/>
-                </a:solidFill>
-              </a:rPr>
-              <a:t>Do you have any questions?</a:t>
-            </a:r>
-            <a:endParaRPr b="1">
-              <a:solidFill>
-                <a:schemeClr val="accent2"/>
-              </a:solidFill>
-            </a:endParaRPr>
-          </a:p>
-          <a:p>
-            <a:pPr marL="0" lvl="0" indent="0" algn="ctr" rtl="0">
-              <a:spcBef>
-                <a:spcPts val="0"/>
-              </a:spcBef>
-              <a:spcAft>
-                <a:spcPts val="0"/>
-              </a:spcAft>
-              <a:buClr>
-                <a:schemeClr val="hlink"/>
-              </a:buClr>
-              <a:buSzPts val="1100"/>
-              <a:buFont typeface="Arial"/>
-              <a:buNone/>
-            </a:pPr>
-            <a:r>
-              <a:rPr lang="en">
-                <a:solidFill>
-                  <a:schemeClr val="accent2"/>
-                </a:solidFill>
-              </a:rPr>
-              <a:t>youremail@freepik.com </a:t>
-            </a:r>
-            <a:endParaRPr>
-              <a:solidFill>
-                <a:schemeClr val="accent2"/>
-              </a:solidFill>
-            </a:endParaRPr>
-          </a:p>
-          <a:p>
-            <a:pPr marL="0" lvl="0" indent="0" algn="ctr" rtl="0">
-              <a:spcBef>
-                <a:spcPts val="0"/>
-              </a:spcBef>
-              <a:spcAft>
-                <a:spcPts val="0"/>
-              </a:spcAft>
-              <a:buClr>
-                <a:schemeClr val="hlink"/>
-              </a:buClr>
-              <a:buSzPts val="1100"/>
-              <a:buFont typeface="Arial"/>
-              <a:buNone/>
-            </a:pPr>
-            <a:r>
-              <a:rPr lang="en">
-                <a:solidFill>
-                  <a:schemeClr val="accent2"/>
-                </a:solidFill>
-              </a:rPr>
-              <a:t>+91  620 421 838 </a:t>
-            </a:r>
-            <a:endParaRPr>
-              <a:solidFill>
-                <a:schemeClr val="accent2"/>
-              </a:solidFill>
-            </a:endParaRPr>
-          </a:p>
-          <a:p>
-            <a:pPr marL="0" lvl="0" indent="0" algn="ctr" rtl="0">
-              <a:spcBef>
-                <a:spcPts val="0"/>
-              </a:spcBef>
-              <a:spcAft>
-                <a:spcPts val="0"/>
-              </a:spcAft>
-              <a:buNone/>
-            </a:pPr>
-            <a:r>
-              <a:rPr lang="en">
-                <a:solidFill>
-                  <a:schemeClr val="accent2"/>
-                </a:solidFill>
-              </a:rPr>
-              <a:t>yourcompany.com</a:t>
-            </a:r>
-            <a:endParaRPr>
-              <a:solidFill>
-                <a:schemeClr val="accent2"/>
-              </a:solidFill>
-            </a:endParaRPr>
-          </a:p>
-        </p:txBody>
-      </p:sp>
-      <p:sp>
-        <p:nvSpPr>
-          <p:cNvPr id="1058" name="Google Shape;1058;p76"/>
-          <p:cNvSpPr/>
-          <p:nvPr/>
-        </p:nvSpPr>
-        <p:spPr>
-          <a:xfrm>
-            <a:off x="3875209" y="1812301"/>
-            <a:ext cx="395494" cy="395494"/>
-          </a:xfrm>
-          <a:custGeom>
-            <a:avLst/>
-            <a:gdLst/>
-            <a:ahLst/>
-            <a:cxnLst/>
-            <a:rect l="l" t="t" r="r" b="b"/>
-            <a:pathLst>
-              <a:path w="19982" h="19982" extrusionOk="0">
-                <a:moveTo>
-                  <a:pt x="14602" y="3500"/>
-                </a:moveTo>
-                <a:cubicBezTo>
-                  <a:pt x="15137" y="3500"/>
-                  <a:pt x="15682" y="3563"/>
-                  <a:pt x="16247" y="3689"/>
-                </a:cubicBezTo>
-                <a:cubicBezTo>
-                  <a:pt x="16179" y="4154"/>
-                  <a:pt x="16095" y="4705"/>
-                  <a:pt x="16033" y="5120"/>
-                </a:cubicBezTo>
-                <a:cubicBezTo>
-                  <a:pt x="15810" y="5075"/>
-                  <a:pt x="15484" y="5035"/>
-                  <a:pt x="15150" y="5035"/>
-                </a:cubicBezTo>
-                <a:cubicBezTo>
-                  <a:pt x="14968" y="5035"/>
-                  <a:pt x="14783" y="5047"/>
-                  <a:pt x="14611" y="5076"/>
-                </a:cubicBezTo>
-                <a:cubicBezTo>
-                  <a:pt x="13536" y="5258"/>
-                  <a:pt x="12918" y="5925"/>
-                  <a:pt x="12918" y="6907"/>
-                </a:cubicBezTo>
-                <a:lnTo>
-                  <a:pt x="12918" y="8819"/>
-                </a:lnTo>
-                <a:cubicBezTo>
-                  <a:pt x="12918" y="9143"/>
-                  <a:pt x="13180" y="9405"/>
-                  <a:pt x="13504" y="9405"/>
-                </a:cubicBezTo>
-                <a:lnTo>
-                  <a:pt x="15681" y="9405"/>
-                </a:lnTo>
-                <a:lnTo>
-                  <a:pt x="15388" y="10576"/>
-                </a:lnTo>
-                <a:lnTo>
-                  <a:pt x="13504" y="10576"/>
-                </a:lnTo>
-                <a:cubicBezTo>
-                  <a:pt x="13180" y="10576"/>
-                  <a:pt x="12918" y="10838"/>
-                  <a:pt x="12918" y="11161"/>
-                </a:cubicBezTo>
-                <a:lnTo>
-                  <a:pt x="12918" y="18811"/>
-                </a:lnTo>
-                <a:lnTo>
-                  <a:pt x="11162" y="18811"/>
-                </a:lnTo>
-                <a:lnTo>
-                  <a:pt x="11162" y="11161"/>
-                </a:lnTo>
-                <a:cubicBezTo>
-                  <a:pt x="11162" y="10838"/>
-                  <a:pt x="10900" y="10576"/>
-                  <a:pt x="10576" y="10576"/>
-                </a:cubicBezTo>
-                <a:lnTo>
-                  <a:pt x="9407" y="10576"/>
-                </a:lnTo>
-                <a:lnTo>
-                  <a:pt x="9407" y="9405"/>
-                </a:lnTo>
-                <a:lnTo>
-                  <a:pt x="10576" y="9405"/>
-                </a:lnTo>
-                <a:cubicBezTo>
-                  <a:pt x="10900" y="9405"/>
-                  <a:pt x="11162" y="9143"/>
-                  <a:pt x="11162" y="8821"/>
-                </a:cubicBezTo>
-                <a:cubicBezTo>
-                  <a:pt x="11162" y="7215"/>
-                  <a:pt x="11162" y="6481"/>
-                  <a:pt x="11162" y="6143"/>
-                </a:cubicBezTo>
-                <a:cubicBezTo>
-                  <a:pt x="11162" y="5520"/>
-                  <a:pt x="11163" y="4843"/>
-                  <a:pt x="11770" y="4324"/>
-                </a:cubicBezTo>
-                <a:cubicBezTo>
-                  <a:pt x="12234" y="3928"/>
-                  <a:pt x="12823" y="3687"/>
-                  <a:pt x="13628" y="3571"/>
-                </a:cubicBezTo>
-                <a:cubicBezTo>
-                  <a:pt x="13950" y="3524"/>
-                  <a:pt x="14274" y="3500"/>
-                  <a:pt x="14602" y="3500"/>
-                </a:cubicBezTo>
-                <a:close/>
-                <a:moveTo>
-                  <a:pt x="17017" y="1170"/>
-                </a:moveTo>
-                <a:cubicBezTo>
-                  <a:pt x="17990" y="1170"/>
-                  <a:pt x="18811" y="1975"/>
-                  <a:pt x="18811" y="2927"/>
-                </a:cubicBezTo>
-                <a:lnTo>
-                  <a:pt x="18811" y="17056"/>
-                </a:lnTo>
-                <a:cubicBezTo>
-                  <a:pt x="18811" y="18023"/>
-                  <a:pt x="18024" y="18811"/>
-                  <a:pt x="17056" y="18811"/>
-                </a:cubicBezTo>
-                <a:lnTo>
-                  <a:pt x="14089" y="18811"/>
-                </a:lnTo>
-                <a:lnTo>
-                  <a:pt x="14089" y="11747"/>
-                </a:lnTo>
-                <a:lnTo>
-                  <a:pt x="15846" y="11747"/>
-                </a:lnTo>
-                <a:cubicBezTo>
-                  <a:pt x="16115" y="11747"/>
-                  <a:pt x="16348" y="11565"/>
-                  <a:pt x="16414" y="11305"/>
-                </a:cubicBezTo>
-                <a:lnTo>
-                  <a:pt x="16999" y="8963"/>
-                </a:lnTo>
-                <a:cubicBezTo>
-                  <a:pt x="17042" y="8787"/>
-                  <a:pt x="17003" y="8602"/>
-                  <a:pt x="16893" y="8460"/>
-                </a:cubicBezTo>
-                <a:cubicBezTo>
-                  <a:pt x="16782" y="8317"/>
-                  <a:pt x="16612" y="8235"/>
-                  <a:pt x="16431" y="8235"/>
-                </a:cubicBezTo>
-                <a:lnTo>
-                  <a:pt x="14089" y="8235"/>
-                </a:lnTo>
-                <a:lnTo>
-                  <a:pt x="14089" y="6909"/>
-                </a:lnTo>
-                <a:cubicBezTo>
-                  <a:pt x="14089" y="6638"/>
-                  <a:pt x="14144" y="6343"/>
-                  <a:pt x="14808" y="6229"/>
-                </a:cubicBezTo>
-                <a:cubicBezTo>
-                  <a:pt x="14936" y="6208"/>
-                  <a:pt x="15061" y="6199"/>
-                  <a:pt x="15182" y="6199"/>
-                </a:cubicBezTo>
-                <a:cubicBezTo>
-                  <a:pt x="15552" y="6199"/>
-                  <a:pt x="15890" y="6283"/>
-                  <a:pt x="16198" y="6360"/>
-                </a:cubicBezTo>
-                <a:cubicBezTo>
-                  <a:pt x="16304" y="6387"/>
-                  <a:pt x="16415" y="6421"/>
-                  <a:pt x="16532" y="6421"/>
-                </a:cubicBezTo>
-                <a:cubicBezTo>
-                  <a:pt x="16632" y="6421"/>
-                  <a:pt x="16736" y="6396"/>
-                  <a:pt x="16847" y="6321"/>
-                </a:cubicBezTo>
-                <a:cubicBezTo>
-                  <a:pt x="16983" y="6229"/>
-                  <a:pt x="17074" y="6084"/>
-                  <a:pt x="17098" y="5923"/>
-                </a:cubicBezTo>
-                <a:cubicBezTo>
-                  <a:pt x="17098" y="5923"/>
-                  <a:pt x="17362" y="4156"/>
-                  <a:pt x="17482" y="3339"/>
-                </a:cubicBezTo>
-                <a:cubicBezTo>
-                  <a:pt x="17525" y="3049"/>
-                  <a:pt x="17346" y="2769"/>
-                  <a:pt x="17063" y="2690"/>
-                </a:cubicBezTo>
-                <a:cubicBezTo>
-                  <a:pt x="16267" y="2463"/>
-                  <a:pt x="15346" y="2343"/>
-                  <a:pt x="14504" y="2343"/>
-                </a:cubicBezTo>
-                <a:cubicBezTo>
-                  <a:pt x="14137" y="2343"/>
-                  <a:pt x="13786" y="2365"/>
-                  <a:pt x="13467" y="2412"/>
-                </a:cubicBezTo>
-                <a:cubicBezTo>
-                  <a:pt x="12434" y="2562"/>
-                  <a:pt x="11646" y="2888"/>
-                  <a:pt x="11009" y="3434"/>
-                </a:cubicBezTo>
-                <a:cubicBezTo>
-                  <a:pt x="10121" y="4193"/>
-                  <a:pt x="10010" y="5168"/>
-                  <a:pt x="9999" y="5833"/>
-                </a:cubicBezTo>
-                <a:cubicBezTo>
-                  <a:pt x="9999" y="5847"/>
-                  <a:pt x="9999" y="7029"/>
-                  <a:pt x="9999" y="8235"/>
-                </a:cubicBezTo>
-                <a:lnTo>
-                  <a:pt x="8821" y="8235"/>
-                </a:lnTo>
-                <a:cubicBezTo>
-                  <a:pt x="8497" y="8235"/>
-                  <a:pt x="8236" y="8497"/>
-                  <a:pt x="8236" y="8819"/>
-                </a:cubicBezTo>
-                <a:lnTo>
-                  <a:pt x="8236" y="11161"/>
-                </a:lnTo>
-                <a:cubicBezTo>
-                  <a:pt x="8236" y="11485"/>
-                  <a:pt x="8497" y="11747"/>
-                  <a:pt x="8821" y="11747"/>
-                </a:cubicBezTo>
-                <a:lnTo>
-                  <a:pt x="9991" y="11747"/>
-                </a:lnTo>
-                <a:lnTo>
-                  <a:pt x="9991" y="18811"/>
-                </a:lnTo>
-                <a:lnTo>
-                  <a:pt x="2927" y="18811"/>
-                </a:lnTo>
-                <a:cubicBezTo>
-                  <a:pt x="1959" y="18811"/>
-                  <a:pt x="1172" y="18023"/>
-                  <a:pt x="1172" y="17054"/>
-                </a:cubicBezTo>
-                <a:lnTo>
-                  <a:pt x="1172" y="2927"/>
-                </a:lnTo>
-                <a:cubicBezTo>
-                  <a:pt x="1172" y="1959"/>
-                  <a:pt x="1959" y="1170"/>
-                  <a:pt x="2927" y="1170"/>
-                </a:cubicBezTo>
-                <a:close/>
-                <a:moveTo>
-                  <a:pt x="2927" y="1"/>
-                </a:moveTo>
-                <a:cubicBezTo>
-                  <a:pt x="1314" y="1"/>
-                  <a:pt x="1" y="1313"/>
-                  <a:pt x="1" y="2927"/>
-                </a:cubicBezTo>
-                <a:lnTo>
-                  <a:pt x="1" y="17056"/>
-                </a:lnTo>
-                <a:cubicBezTo>
-                  <a:pt x="1" y="18669"/>
-                  <a:pt x="1314" y="19982"/>
-                  <a:pt x="2927" y="19982"/>
-                </a:cubicBezTo>
-                <a:lnTo>
-                  <a:pt x="17054" y="19982"/>
-                </a:lnTo>
-                <a:cubicBezTo>
-                  <a:pt x="18669" y="19982"/>
-                  <a:pt x="19982" y="18669"/>
-                  <a:pt x="19982" y="17056"/>
-                </a:cubicBezTo>
-                <a:lnTo>
-                  <a:pt x="19982" y="2927"/>
-                </a:lnTo>
-                <a:cubicBezTo>
-                  <a:pt x="19982" y="2145"/>
-                  <a:pt x="19669" y="1409"/>
-                  <a:pt x="19101" y="853"/>
-                </a:cubicBezTo>
-                <a:cubicBezTo>
-                  <a:pt x="18538" y="303"/>
-                  <a:pt x="17797" y="1"/>
-                  <a:pt x="17015" y="1"/>
-                </a:cubicBezTo>
-                <a:close/>
-              </a:path>
-            </a:pathLst>
-          </a:custGeom>
-          <a:solidFill>
-            <a:schemeClr val="accent1"/>
-          </a:solidFill>
-          <a:ln>
-            <a:noFill/>
-          </a:ln>
-        </p:spPr>
-        <p:txBody>
-          <a:bodyPr spcFirstLastPara="1" wrap="square" lIns="91425" tIns="91425" rIns="91425" bIns="91425" anchor="ctr" anchorCtr="0">
-            <a:noAutofit/>
-          </a:bodyPr>
-          <a:lstStyle/>
-          <a:p>
-            <a:pPr marL="0" lvl="0" indent="0" algn="l" rtl="0">
-              <a:spcBef>
-                <a:spcPts val="0"/>
-              </a:spcBef>
-              <a:spcAft>
-                <a:spcPts val="0"/>
-              </a:spcAft>
-              <a:buNone/>
-            </a:pPr>
-            <a:endParaRPr/>
-          </a:p>
-        </p:txBody>
-      </p:sp>
-      <p:grpSp>
-        <p:nvGrpSpPr>
-          <p:cNvPr id="1059" name="Google Shape;1059;p76"/>
-          <p:cNvGrpSpPr/>
-          <p:nvPr/>
-        </p:nvGrpSpPr>
-        <p:grpSpPr>
-          <a:xfrm>
-            <a:off x="4380499" y="1812113"/>
-            <a:ext cx="395504" cy="395464"/>
-            <a:chOff x="812101" y="2571761"/>
-            <a:chExt cx="417066" cy="417024"/>
-          </a:xfrm>
-        </p:grpSpPr>
-        <p:sp>
-          <p:nvSpPr>
-            <p:cNvPr id="1060" name="Google Shape;1060;p76"/>
-            <p:cNvSpPr/>
-            <p:nvPr/>
-          </p:nvSpPr>
-          <p:spPr>
-            <a:xfrm>
-              <a:off x="935084" y="2694744"/>
-              <a:ext cx="171071" cy="171071"/>
-            </a:xfrm>
-            <a:custGeom>
-              <a:avLst/>
-              <a:gdLst/>
-              <a:ahLst/>
-              <a:cxnLst/>
-              <a:rect l="l" t="t" r="r" b="b"/>
-              <a:pathLst>
-                <a:path w="8197" h="8197" extrusionOk="0">
-                  <a:moveTo>
-                    <a:pt x="4099" y="1171"/>
-                  </a:moveTo>
-                  <a:cubicBezTo>
-                    <a:pt x="5712" y="1171"/>
-                    <a:pt x="7027" y="2484"/>
-                    <a:pt x="7027" y="4097"/>
-                  </a:cubicBezTo>
-                  <a:cubicBezTo>
-                    <a:pt x="7027" y="5712"/>
-                    <a:pt x="5712" y="7025"/>
-                    <a:pt x="4099" y="7025"/>
-                  </a:cubicBezTo>
-                  <a:cubicBezTo>
-                    <a:pt x="2486" y="7025"/>
-                    <a:pt x="1171" y="5712"/>
-                    <a:pt x="1171" y="4097"/>
-                  </a:cubicBezTo>
-                  <a:cubicBezTo>
-                    <a:pt x="1171" y="2484"/>
-                    <a:pt x="2486" y="1171"/>
-                    <a:pt x="4099" y="1171"/>
-                  </a:cubicBezTo>
-                  <a:close/>
-                  <a:moveTo>
-                    <a:pt x="4099" y="0"/>
-                  </a:moveTo>
-                  <a:cubicBezTo>
-                    <a:pt x="1840" y="0"/>
-                    <a:pt x="0" y="1838"/>
-                    <a:pt x="0" y="4097"/>
-                  </a:cubicBezTo>
-                  <a:cubicBezTo>
-                    <a:pt x="0" y="6358"/>
-                    <a:pt x="1840" y="8196"/>
-                    <a:pt x="4099" y="8196"/>
-                  </a:cubicBezTo>
-                  <a:cubicBezTo>
-                    <a:pt x="6358" y="8196"/>
-                    <a:pt x="8196" y="6358"/>
-                    <a:pt x="8196" y="4097"/>
-                  </a:cubicBezTo>
-                  <a:cubicBezTo>
-                    <a:pt x="8196" y="1838"/>
-                    <a:pt x="6358" y="0"/>
-                    <a:pt x="4099" y="0"/>
-                  </a:cubicBezTo>
-                  <a:close/>
-                </a:path>
-              </a:pathLst>
-            </a:custGeom>
-            <a:solidFill>
-              <a:schemeClr val="accent1"/>
-            </a:solidFill>
-            <a:ln>
-              <a:noFill/>
-            </a:ln>
-          </p:spPr>
-          <p:txBody>
-            <a:bodyPr spcFirstLastPara="1" wrap="square" lIns="91425" tIns="91425" rIns="91425" bIns="91425" anchor="ctr" anchorCtr="0">
-              <a:noAutofit/>
-            </a:bodyPr>
-            <a:lstStyle/>
-            <a:p>
-              <a:pPr marL="0" lvl="0" indent="0" algn="l" rtl="0">
-                <a:spcBef>
-                  <a:spcPts val="0"/>
-                </a:spcBef>
-                <a:spcAft>
-                  <a:spcPts val="0"/>
-                </a:spcAft>
-                <a:buNone/>
-              </a:pPr>
-              <a:endParaRPr/>
-            </a:p>
-          </p:txBody>
-        </p:sp>
-        <p:sp>
-          <p:nvSpPr>
-            <p:cNvPr id="1061" name="Google Shape;1061;p76"/>
-            <p:cNvSpPr/>
-            <p:nvPr/>
-          </p:nvSpPr>
-          <p:spPr>
-            <a:xfrm>
-              <a:off x="860977" y="2620616"/>
-              <a:ext cx="319311" cy="319290"/>
-            </a:xfrm>
-            <a:custGeom>
-              <a:avLst/>
-              <a:gdLst/>
-              <a:ahLst/>
-              <a:cxnLst/>
-              <a:rect l="l" t="t" r="r" b="b"/>
-              <a:pathLst>
-                <a:path w="15300" h="15299" extrusionOk="0">
-                  <a:moveTo>
-                    <a:pt x="12333" y="1171"/>
-                  </a:moveTo>
-                  <a:cubicBezTo>
-                    <a:pt x="13306" y="1171"/>
-                    <a:pt x="14128" y="1994"/>
-                    <a:pt x="14128" y="2967"/>
-                  </a:cubicBezTo>
-                  <a:lnTo>
-                    <a:pt x="14128" y="12334"/>
-                  </a:lnTo>
-                  <a:cubicBezTo>
-                    <a:pt x="14128" y="13307"/>
-                    <a:pt x="13306" y="14129"/>
-                    <a:pt x="12333" y="14129"/>
-                  </a:cubicBezTo>
-                  <a:lnTo>
-                    <a:pt x="2968" y="14129"/>
-                  </a:lnTo>
-                  <a:cubicBezTo>
-                    <a:pt x="1993" y="14129"/>
-                    <a:pt x="1172" y="13307"/>
-                    <a:pt x="1172" y="12334"/>
-                  </a:cubicBezTo>
-                  <a:lnTo>
-                    <a:pt x="1172" y="2967"/>
-                  </a:lnTo>
-                  <a:cubicBezTo>
-                    <a:pt x="1172" y="1994"/>
-                    <a:pt x="1993" y="1171"/>
-                    <a:pt x="2968" y="1171"/>
-                  </a:cubicBezTo>
-                  <a:close/>
-                  <a:moveTo>
-                    <a:pt x="2968" y="0"/>
-                  </a:moveTo>
-                  <a:cubicBezTo>
-                    <a:pt x="1351" y="0"/>
-                    <a:pt x="1" y="1346"/>
-                    <a:pt x="1" y="2967"/>
-                  </a:cubicBezTo>
-                  <a:lnTo>
-                    <a:pt x="1" y="12334"/>
-                  </a:lnTo>
-                  <a:cubicBezTo>
-                    <a:pt x="1" y="13952"/>
-                    <a:pt x="1349" y="15299"/>
-                    <a:pt x="2968" y="15299"/>
-                  </a:cubicBezTo>
-                  <a:lnTo>
-                    <a:pt x="12333" y="15299"/>
-                  </a:lnTo>
-                  <a:cubicBezTo>
-                    <a:pt x="13953" y="15299"/>
-                    <a:pt x="15299" y="13951"/>
-                    <a:pt x="15299" y="12334"/>
-                  </a:cubicBezTo>
-                  <a:lnTo>
-                    <a:pt x="15299" y="2967"/>
-                  </a:lnTo>
-                  <a:cubicBezTo>
-                    <a:pt x="15299" y="1345"/>
-                    <a:pt x="13948" y="0"/>
-                    <a:pt x="12333" y="0"/>
-                  </a:cubicBezTo>
-                  <a:close/>
-                </a:path>
-              </a:pathLst>
-            </a:custGeom>
-            <a:solidFill>
-              <a:schemeClr val="accent1"/>
-            </a:solidFill>
-            <a:ln>
-              <a:noFill/>
-            </a:ln>
-          </p:spPr>
-          <p:txBody>
-            <a:bodyPr spcFirstLastPara="1" wrap="square" lIns="91425" tIns="91425" rIns="91425" bIns="91425" anchor="ctr" anchorCtr="0">
-              <a:noAutofit/>
-            </a:bodyPr>
-            <a:lstStyle/>
-            <a:p>
-              <a:pPr marL="0" lvl="0" indent="0" algn="l" rtl="0">
-                <a:spcBef>
-                  <a:spcPts val="0"/>
-                </a:spcBef>
-                <a:spcAft>
-                  <a:spcPts val="0"/>
-                </a:spcAft>
-                <a:buNone/>
-              </a:pPr>
-              <a:endParaRPr/>
-            </a:p>
-          </p:txBody>
-        </p:sp>
-        <p:sp>
-          <p:nvSpPr>
-            <p:cNvPr id="1062" name="Google Shape;1062;p76"/>
-            <p:cNvSpPr/>
-            <p:nvPr/>
-          </p:nvSpPr>
-          <p:spPr>
-            <a:xfrm>
-              <a:off x="812101" y="2571761"/>
-              <a:ext cx="417066" cy="417024"/>
-            </a:xfrm>
-            <a:custGeom>
-              <a:avLst/>
-              <a:gdLst/>
-              <a:ahLst/>
-              <a:cxnLst/>
-              <a:rect l="l" t="t" r="r" b="b"/>
-              <a:pathLst>
-                <a:path w="19984" h="19982" extrusionOk="0">
-                  <a:moveTo>
-                    <a:pt x="17056" y="1172"/>
-                  </a:moveTo>
-                  <a:cubicBezTo>
-                    <a:pt x="18025" y="1172"/>
-                    <a:pt x="18812" y="1959"/>
-                    <a:pt x="18812" y="2927"/>
-                  </a:cubicBezTo>
-                  <a:lnTo>
-                    <a:pt x="18812" y="17056"/>
-                  </a:lnTo>
-                  <a:cubicBezTo>
-                    <a:pt x="18812" y="18023"/>
-                    <a:pt x="18025" y="18811"/>
-                    <a:pt x="17056" y="18811"/>
-                  </a:cubicBezTo>
-                  <a:lnTo>
-                    <a:pt x="2928" y="18811"/>
-                  </a:lnTo>
-                  <a:cubicBezTo>
-                    <a:pt x="1961" y="18811"/>
-                    <a:pt x="1172" y="18023"/>
-                    <a:pt x="1172" y="17056"/>
-                  </a:cubicBezTo>
-                  <a:lnTo>
-                    <a:pt x="1172" y="2927"/>
-                  </a:lnTo>
-                  <a:cubicBezTo>
-                    <a:pt x="1172" y="1959"/>
-                    <a:pt x="1961" y="1172"/>
-                    <a:pt x="2928" y="1172"/>
-                  </a:cubicBezTo>
-                  <a:close/>
-                  <a:moveTo>
-                    <a:pt x="2928" y="1"/>
-                  </a:moveTo>
-                  <a:cubicBezTo>
-                    <a:pt x="1313" y="1"/>
-                    <a:pt x="1" y="1313"/>
-                    <a:pt x="1" y="2927"/>
-                  </a:cubicBezTo>
-                  <a:lnTo>
-                    <a:pt x="1" y="17056"/>
-                  </a:lnTo>
-                  <a:cubicBezTo>
-                    <a:pt x="1" y="18669"/>
-                    <a:pt x="1313" y="19982"/>
-                    <a:pt x="2928" y="19982"/>
-                  </a:cubicBezTo>
-                  <a:lnTo>
-                    <a:pt x="17056" y="19982"/>
-                  </a:lnTo>
-                  <a:cubicBezTo>
-                    <a:pt x="18669" y="19982"/>
-                    <a:pt x="19984" y="18669"/>
-                    <a:pt x="19984" y="17056"/>
-                  </a:cubicBezTo>
-                  <a:lnTo>
-                    <a:pt x="19984" y="2927"/>
-                  </a:lnTo>
-                  <a:cubicBezTo>
-                    <a:pt x="19984" y="1313"/>
-                    <a:pt x="18669" y="1"/>
-                    <a:pt x="17056" y="1"/>
-                  </a:cubicBezTo>
-                  <a:close/>
-                </a:path>
-              </a:pathLst>
-            </a:custGeom>
-            <a:solidFill>
-              <a:schemeClr val="accent1"/>
-            </a:solidFill>
-            <a:ln>
-              <a:noFill/>
-            </a:ln>
-          </p:spPr>
-          <p:txBody>
-            <a:bodyPr spcFirstLastPara="1" wrap="square" lIns="91425" tIns="91425" rIns="91425" bIns="91425" anchor="ctr" anchorCtr="0">
-              <a:noAutofit/>
-            </a:bodyPr>
-            <a:lstStyle/>
-            <a:p>
-              <a:pPr marL="0" lvl="0" indent="0" algn="l" rtl="0">
-                <a:spcBef>
-                  <a:spcPts val="0"/>
-                </a:spcBef>
-                <a:spcAft>
-                  <a:spcPts val="0"/>
-                </a:spcAft>
-                <a:buNone/>
-              </a:pPr>
-              <a:endParaRPr/>
-            </a:p>
-          </p:txBody>
-        </p:sp>
-        <p:sp>
-          <p:nvSpPr>
-            <p:cNvPr id="1063" name="Google Shape;1063;p76"/>
-            <p:cNvSpPr/>
-            <p:nvPr/>
-          </p:nvSpPr>
-          <p:spPr>
-            <a:xfrm>
-              <a:off x="1081712" y="2670306"/>
-              <a:ext cx="48878" cy="48898"/>
-            </a:xfrm>
-            <a:custGeom>
-              <a:avLst/>
-              <a:gdLst/>
-              <a:ahLst/>
-              <a:cxnLst/>
-              <a:rect l="l" t="t" r="r" b="b"/>
-              <a:pathLst>
-                <a:path w="2342" h="2343" extrusionOk="0">
-                  <a:moveTo>
-                    <a:pt x="1170" y="0"/>
-                  </a:moveTo>
-                  <a:cubicBezTo>
-                    <a:pt x="524" y="0"/>
-                    <a:pt x="1" y="526"/>
-                    <a:pt x="1" y="1171"/>
-                  </a:cubicBezTo>
-                  <a:cubicBezTo>
-                    <a:pt x="1" y="1817"/>
-                    <a:pt x="524" y="2342"/>
-                    <a:pt x="1170" y="2342"/>
-                  </a:cubicBezTo>
-                  <a:cubicBezTo>
-                    <a:pt x="1816" y="2342"/>
-                    <a:pt x="2341" y="1817"/>
-                    <a:pt x="2341" y="1171"/>
-                  </a:cubicBezTo>
-                  <a:cubicBezTo>
-                    <a:pt x="2341" y="526"/>
-                    <a:pt x="1816" y="0"/>
-                    <a:pt x="1170" y="0"/>
-                  </a:cubicBezTo>
-                  <a:close/>
-                </a:path>
-              </a:pathLst>
-            </a:custGeom>
-            <a:solidFill>
-              <a:schemeClr val="accent1"/>
-            </a:solidFill>
-            <a:ln>
-              <a:noFill/>
-            </a:ln>
-          </p:spPr>
-          <p:txBody>
-            <a:bodyPr spcFirstLastPara="1" wrap="square" lIns="91425" tIns="91425" rIns="91425" bIns="91425" anchor="ctr" anchorCtr="0">
-              <a:noAutofit/>
-            </a:bodyPr>
-            <a:lstStyle/>
-            <a:p>
-              <a:pPr marL="0" lvl="0" indent="0" algn="l" rtl="0">
-                <a:spcBef>
-                  <a:spcPts val="0"/>
-                </a:spcBef>
-                <a:spcAft>
-                  <a:spcPts val="0"/>
-                </a:spcAft>
-                <a:buNone/>
-              </a:pPr>
-              <a:endParaRPr/>
-            </a:p>
-          </p:txBody>
-        </p:sp>
-      </p:grpSp>
-      <p:grpSp>
-        <p:nvGrpSpPr>
-          <p:cNvPr id="1064" name="Google Shape;1064;p76"/>
-          <p:cNvGrpSpPr/>
-          <p:nvPr/>
-        </p:nvGrpSpPr>
-        <p:grpSpPr>
-          <a:xfrm>
-            <a:off x="4885853" y="1812113"/>
-            <a:ext cx="395464" cy="395464"/>
-            <a:chOff x="1323129" y="2571761"/>
-            <a:chExt cx="417024" cy="417024"/>
-          </a:xfrm>
-        </p:grpSpPr>
-        <p:sp>
-          <p:nvSpPr>
-            <p:cNvPr id="1065" name="Google Shape;1065;p76"/>
-            <p:cNvSpPr/>
-            <p:nvPr/>
-          </p:nvSpPr>
-          <p:spPr>
-            <a:xfrm>
-              <a:off x="1385007" y="2719183"/>
-              <a:ext cx="73337" cy="219907"/>
-            </a:xfrm>
-            <a:custGeom>
-              <a:avLst/>
-              <a:gdLst/>
-              <a:ahLst/>
-              <a:cxnLst/>
-              <a:rect l="l" t="t" r="r" b="b"/>
-              <a:pathLst>
-                <a:path w="3514" h="10537" extrusionOk="0">
-                  <a:moveTo>
-                    <a:pt x="2342" y="1171"/>
-                  </a:moveTo>
-                  <a:lnTo>
-                    <a:pt x="2342" y="9367"/>
-                  </a:lnTo>
-                  <a:lnTo>
-                    <a:pt x="1171" y="9367"/>
-                  </a:lnTo>
-                  <a:lnTo>
-                    <a:pt x="1171" y="1171"/>
-                  </a:lnTo>
-                  <a:close/>
-                  <a:moveTo>
-                    <a:pt x="586" y="0"/>
-                  </a:moveTo>
-                  <a:cubicBezTo>
-                    <a:pt x="264" y="0"/>
-                    <a:pt x="0" y="262"/>
-                    <a:pt x="0" y="586"/>
-                  </a:cubicBezTo>
-                  <a:lnTo>
-                    <a:pt x="0" y="9951"/>
-                  </a:lnTo>
-                  <a:cubicBezTo>
-                    <a:pt x="0" y="10275"/>
-                    <a:pt x="264" y="10537"/>
-                    <a:pt x="586" y="10537"/>
-                  </a:cubicBezTo>
-                  <a:lnTo>
-                    <a:pt x="2928" y="10537"/>
-                  </a:lnTo>
-                  <a:cubicBezTo>
-                    <a:pt x="3252" y="10537"/>
-                    <a:pt x="3514" y="10275"/>
-                    <a:pt x="3514" y="9951"/>
-                  </a:cubicBezTo>
-                  <a:lnTo>
-                    <a:pt x="3514" y="586"/>
-                  </a:lnTo>
-                  <a:cubicBezTo>
-                    <a:pt x="3514" y="262"/>
-                    <a:pt x="3252" y="0"/>
-                    <a:pt x="2928" y="0"/>
-                  </a:cubicBezTo>
-                  <a:close/>
-                </a:path>
-              </a:pathLst>
-            </a:custGeom>
-            <a:solidFill>
-              <a:schemeClr val="accent1"/>
-            </a:solidFill>
-            <a:ln>
-              <a:noFill/>
-            </a:ln>
-          </p:spPr>
-          <p:txBody>
-            <a:bodyPr spcFirstLastPara="1" wrap="square" lIns="91425" tIns="91425" rIns="91425" bIns="91425" anchor="ctr" anchorCtr="0">
-              <a:noAutofit/>
-            </a:bodyPr>
-            <a:lstStyle/>
-            <a:p>
-              <a:pPr marL="0" lvl="0" indent="0" algn="l" rtl="0">
-                <a:spcBef>
-                  <a:spcPts val="0"/>
-                </a:spcBef>
-                <a:spcAft>
-                  <a:spcPts val="0"/>
-                </a:spcAft>
-                <a:buNone/>
-              </a:pPr>
-              <a:endParaRPr/>
-            </a:p>
-          </p:txBody>
-        </p:sp>
-        <p:sp>
-          <p:nvSpPr>
-            <p:cNvPr id="1066" name="Google Shape;1066;p76"/>
-            <p:cNvSpPr/>
-            <p:nvPr/>
-          </p:nvSpPr>
-          <p:spPr>
-            <a:xfrm>
-              <a:off x="1385007" y="2621430"/>
-              <a:ext cx="73337" cy="73337"/>
-            </a:xfrm>
-            <a:custGeom>
-              <a:avLst/>
-              <a:gdLst/>
-              <a:ahLst/>
-              <a:cxnLst/>
-              <a:rect l="l" t="t" r="r" b="b"/>
-              <a:pathLst>
-                <a:path w="3514" h="3514" extrusionOk="0">
-                  <a:moveTo>
-                    <a:pt x="1757" y="1171"/>
-                  </a:moveTo>
-                  <a:cubicBezTo>
-                    <a:pt x="2081" y="1171"/>
-                    <a:pt x="2342" y="1435"/>
-                    <a:pt x="2342" y="1757"/>
-                  </a:cubicBezTo>
-                  <a:cubicBezTo>
-                    <a:pt x="2342" y="2080"/>
-                    <a:pt x="2081" y="2342"/>
-                    <a:pt x="1757" y="2342"/>
-                  </a:cubicBezTo>
-                  <a:cubicBezTo>
-                    <a:pt x="1435" y="2342"/>
-                    <a:pt x="1171" y="2080"/>
-                    <a:pt x="1171" y="1757"/>
-                  </a:cubicBezTo>
-                  <a:cubicBezTo>
-                    <a:pt x="1171" y="1435"/>
-                    <a:pt x="1435" y="1171"/>
-                    <a:pt x="1757" y="1171"/>
-                  </a:cubicBezTo>
-                  <a:close/>
-                  <a:moveTo>
-                    <a:pt x="1757" y="0"/>
-                  </a:moveTo>
-                  <a:cubicBezTo>
-                    <a:pt x="789" y="0"/>
-                    <a:pt x="0" y="789"/>
-                    <a:pt x="0" y="1757"/>
-                  </a:cubicBezTo>
-                  <a:cubicBezTo>
-                    <a:pt x="0" y="2726"/>
-                    <a:pt x="789" y="3513"/>
-                    <a:pt x="1757" y="3513"/>
-                  </a:cubicBezTo>
-                  <a:cubicBezTo>
-                    <a:pt x="2726" y="3513"/>
-                    <a:pt x="3514" y="2726"/>
-                    <a:pt x="3514" y="1757"/>
-                  </a:cubicBezTo>
-                  <a:cubicBezTo>
-                    <a:pt x="3514" y="789"/>
-                    <a:pt x="2726" y="0"/>
-                    <a:pt x="1757" y="0"/>
-                  </a:cubicBezTo>
-                  <a:close/>
-                </a:path>
-              </a:pathLst>
-            </a:custGeom>
-            <a:solidFill>
-              <a:schemeClr val="accent1"/>
-            </a:solidFill>
-            <a:ln>
-              <a:noFill/>
-            </a:ln>
-          </p:spPr>
-          <p:txBody>
-            <a:bodyPr spcFirstLastPara="1" wrap="square" lIns="91425" tIns="91425" rIns="91425" bIns="91425" anchor="ctr" anchorCtr="0">
-              <a:noAutofit/>
-            </a:bodyPr>
-            <a:lstStyle/>
-            <a:p>
-              <a:pPr marL="0" lvl="0" indent="0" algn="l" rtl="0">
-                <a:spcBef>
-                  <a:spcPts val="0"/>
-                </a:spcBef>
-                <a:spcAft>
-                  <a:spcPts val="0"/>
-                </a:spcAft>
-                <a:buNone/>
-              </a:pPr>
-              <a:endParaRPr/>
-            </a:p>
-          </p:txBody>
-        </p:sp>
-        <p:sp>
-          <p:nvSpPr>
-            <p:cNvPr id="1067" name="Google Shape;1067;p76"/>
-            <p:cNvSpPr/>
-            <p:nvPr/>
-          </p:nvSpPr>
-          <p:spPr>
-            <a:xfrm>
-              <a:off x="1482759" y="2718786"/>
-              <a:ext cx="195510" cy="220304"/>
-            </a:xfrm>
-            <a:custGeom>
-              <a:avLst/>
-              <a:gdLst/>
-              <a:ahLst/>
-              <a:cxnLst/>
-              <a:rect l="l" t="t" r="r" b="b"/>
-              <a:pathLst>
-                <a:path w="9368" h="10556" extrusionOk="0">
-                  <a:moveTo>
-                    <a:pt x="5559" y="1173"/>
-                  </a:moveTo>
-                  <a:cubicBezTo>
-                    <a:pt x="5720" y="1173"/>
-                    <a:pt x="5883" y="1186"/>
-                    <a:pt x="6044" y="1212"/>
-                  </a:cubicBezTo>
-                  <a:cubicBezTo>
-                    <a:pt x="7422" y="1435"/>
-                    <a:pt x="8196" y="2535"/>
-                    <a:pt x="8196" y="3669"/>
-                  </a:cubicBezTo>
-                  <a:lnTo>
-                    <a:pt x="8196" y="9386"/>
-                  </a:lnTo>
-                  <a:lnTo>
-                    <a:pt x="7025" y="9386"/>
-                  </a:lnTo>
-                  <a:lnTo>
-                    <a:pt x="7025" y="4702"/>
-                  </a:lnTo>
-                  <a:cubicBezTo>
-                    <a:pt x="7025" y="3411"/>
-                    <a:pt x="5975" y="2360"/>
-                    <a:pt x="4683" y="2360"/>
-                  </a:cubicBezTo>
-                  <a:cubicBezTo>
-                    <a:pt x="3392" y="2360"/>
-                    <a:pt x="2341" y="3411"/>
-                    <a:pt x="2341" y="4702"/>
-                  </a:cubicBezTo>
-                  <a:lnTo>
-                    <a:pt x="2341" y="9386"/>
-                  </a:lnTo>
-                  <a:lnTo>
-                    <a:pt x="1170" y="9386"/>
-                  </a:lnTo>
-                  <a:lnTo>
-                    <a:pt x="1170" y="1190"/>
-                  </a:lnTo>
-                  <a:lnTo>
-                    <a:pt x="2341" y="1190"/>
-                  </a:lnTo>
-                  <a:lnTo>
-                    <a:pt x="2341" y="1776"/>
-                  </a:lnTo>
-                  <a:cubicBezTo>
-                    <a:pt x="2341" y="2011"/>
-                    <a:pt x="2484" y="2225"/>
-                    <a:pt x="2704" y="2316"/>
-                  </a:cubicBezTo>
-                  <a:cubicBezTo>
-                    <a:pt x="2776" y="2346"/>
-                    <a:pt x="2852" y="2361"/>
-                    <a:pt x="2928" y="2361"/>
-                  </a:cubicBezTo>
-                  <a:cubicBezTo>
-                    <a:pt x="3080" y="2361"/>
-                    <a:pt x="3229" y="2301"/>
-                    <a:pt x="3341" y="2190"/>
-                  </a:cubicBezTo>
-                  <a:lnTo>
-                    <a:pt x="3615" y="1916"/>
-                  </a:lnTo>
-                  <a:cubicBezTo>
-                    <a:pt x="4086" y="1443"/>
-                    <a:pt x="4813" y="1173"/>
-                    <a:pt x="5559" y="1173"/>
-                  </a:cubicBezTo>
-                  <a:close/>
-                  <a:moveTo>
-                    <a:pt x="5553" y="0"/>
-                  </a:moveTo>
-                  <a:cubicBezTo>
-                    <a:pt x="4823" y="0"/>
-                    <a:pt x="4110" y="189"/>
-                    <a:pt x="3509" y="536"/>
-                  </a:cubicBezTo>
-                  <a:cubicBezTo>
-                    <a:pt x="3475" y="246"/>
-                    <a:pt x="3227" y="19"/>
-                    <a:pt x="2927" y="19"/>
-                  </a:cubicBezTo>
-                  <a:lnTo>
-                    <a:pt x="586" y="19"/>
-                  </a:lnTo>
-                  <a:cubicBezTo>
-                    <a:pt x="262" y="19"/>
-                    <a:pt x="1" y="281"/>
-                    <a:pt x="1" y="605"/>
-                  </a:cubicBezTo>
-                  <a:lnTo>
-                    <a:pt x="1" y="9970"/>
-                  </a:lnTo>
-                  <a:cubicBezTo>
-                    <a:pt x="1" y="10294"/>
-                    <a:pt x="262" y="10556"/>
-                    <a:pt x="586" y="10556"/>
-                  </a:cubicBezTo>
-                  <a:lnTo>
-                    <a:pt x="2927" y="10556"/>
-                  </a:lnTo>
-                  <a:cubicBezTo>
-                    <a:pt x="3250" y="10556"/>
-                    <a:pt x="3512" y="10294"/>
-                    <a:pt x="3512" y="9970"/>
-                  </a:cubicBezTo>
-                  <a:lnTo>
-                    <a:pt x="3512" y="4702"/>
-                  </a:lnTo>
-                  <a:cubicBezTo>
-                    <a:pt x="3512" y="4056"/>
-                    <a:pt x="4038" y="3531"/>
-                    <a:pt x="4683" y="3531"/>
-                  </a:cubicBezTo>
-                  <a:cubicBezTo>
-                    <a:pt x="5329" y="3531"/>
-                    <a:pt x="5854" y="4056"/>
-                    <a:pt x="5854" y="4702"/>
-                  </a:cubicBezTo>
-                  <a:lnTo>
-                    <a:pt x="5854" y="9970"/>
-                  </a:lnTo>
-                  <a:cubicBezTo>
-                    <a:pt x="5854" y="10294"/>
-                    <a:pt x="6116" y="10556"/>
-                    <a:pt x="6440" y="10556"/>
-                  </a:cubicBezTo>
-                  <a:lnTo>
-                    <a:pt x="8782" y="10556"/>
-                  </a:lnTo>
-                  <a:cubicBezTo>
-                    <a:pt x="9104" y="10556"/>
-                    <a:pt x="9368" y="10294"/>
-                    <a:pt x="9368" y="9970"/>
-                  </a:cubicBezTo>
-                  <a:lnTo>
-                    <a:pt x="9368" y="3669"/>
-                  </a:lnTo>
-                  <a:cubicBezTo>
-                    <a:pt x="9368" y="1921"/>
-                    <a:pt x="8131" y="364"/>
-                    <a:pt x="6231" y="55"/>
-                  </a:cubicBezTo>
-                  <a:cubicBezTo>
-                    <a:pt x="6005" y="18"/>
-                    <a:pt x="5779" y="0"/>
-                    <a:pt x="5553" y="0"/>
-                  </a:cubicBezTo>
-                  <a:close/>
-                </a:path>
-              </a:pathLst>
-            </a:custGeom>
-            <a:solidFill>
-              <a:schemeClr val="accent1"/>
-            </a:solidFill>
-            <a:ln>
-              <a:noFill/>
-            </a:ln>
-          </p:spPr>
-          <p:txBody>
-            <a:bodyPr spcFirstLastPara="1" wrap="square" lIns="91425" tIns="91425" rIns="91425" bIns="91425" anchor="ctr" anchorCtr="0">
-              <a:noAutofit/>
-            </a:bodyPr>
-            <a:lstStyle/>
-            <a:p>
-              <a:pPr marL="0" lvl="0" indent="0" algn="l" rtl="0">
-                <a:spcBef>
-                  <a:spcPts val="0"/>
-                </a:spcBef>
-                <a:spcAft>
-                  <a:spcPts val="0"/>
-                </a:spcAft>
-                <a:buNone/>
-              </a:pPr>
-              <a:endParaRPr/>
-            </a:p>
-          </p:txBody>
-        </p:sp>
-        <p:sp>
-          <p:nvSpPr>
-            <p:cNvPr id="1068" name="Google Shape;1068;p76"/>
-            <p:cNvSpPr/>
-            <p:nvPr/>
-          </p:nvSpPr>
-          <p:spPr>
-            <a:xfrm>
-              <a:off x="1323129" y="2571761"/>
-              <a:ext cx="417024" cy="417024"/>
-            </a:xfrm>
-            <a:custGeom>
-              <a:avLst/>
-              <a:gdLst/>
-              <a:ahLst/>
-              <a:cxnLst/>
-              <a:rect l="l" t="t" r="r" b="b"/>
-              <a:pathLst>
-                <a:path w="19982" h="19982" extrusionOk="0">
-                  <a:moveTo>
-                    <a:pt x="17015" y="1170"/>
-                  </a:moveTo>
-                  <a:cubicBezTo>
-                    <a:pt x="17989" y="1170"/>
-                    <a:pt x="18810" y="1993"/>
-                    <a:pt x="18810" y="2966"/>
-                  </a:cubicBezTo>
-                  <a:lnTo>
-                    <a:pt x="18810" y="17015"/>
-                  </a:lnTo>
-                  <a:cubicBezTo>
-                    <a:pt x="18810" y="17990"/>
-                    <a:pt x="17989" y="18811"/>
-                    <a:pt x="17015" y="18811"/>
-                  </a:cubicBezTo>
-                  <a:lnTo>
-                    <a:pt x="2965" y="18811"/>
-                  </a:lnTo>
-                  <a:cubicBezTo>
-                    <a:pt x="1992" y="18811"/>
-                    <a:pt x="1170" y="17990"/>
-                    <a:pt x="1170" y="17015"/>
-                  </a:cubicBezTo>
-                  <a:lnTo>
-                    <a:pt x="1170" y="2966"/>
-                  </a:lnTo>
-                  <a:cubicBezTo>
-                    <a:pt x="1170" y="1993"/>
-                    <a:pt x="1992" y="1170"/>
-                    <a:pt x="2965" y="1170"/>
-                  </a:cubicBezTo>
-                  <a:close/>
-                  <a:moveTo>
-                    <a:pt x="2965" y="1"/>
-                  </a:moveTo>
-                  <a:cubicBezTo>
-                    <a:pt x="1347" y="1"/>
-                    <a:pt x="0" y="1349"/>
-                    <a:pt x="0" y="2966"/>
-                  </a:cubicBezTo>
-                  <a:lnTo>
-                    <a:pt x="0" y="17015"/>
-                  </a:lnTo>
-                  <a:cubicBezTo>
-                    <a:pt x="0" y="18635"/>
-                    <a:pt x="1348" y="19982"/>
-                    <a:pt x="2965" y="19982"/>
-                  </a:cubicBezTo>
-                  <a:lnTo>
-                    <a:pt x="17017" y="19982"/>
-                  </a:lnTo>
-                  <a:cubicBezTo>
-                    <a:pt x="18635" y="19982"/>
-                    <a:pt x="19981" y="18634"/>
-                    <a:pt x="19981" y="17015"/>
-                  </a:cubicBezTo>
-                  <a:lnTo>
-                    <a:pt x="19981" y="2966"/>
-                  </a:lnTo>
-                  <a:cubicBezTo>
-                    <a:pt x="19981" y="1347"/>
-                    <a:pt x="18633" y="1"/>
-                    <a:pt x="17017" y="1"/>
-                  </a:cubicBezTo>
-                  <a:close/>
-                </a:path>
-              </a:pathLst>
-            </a:custGeom>
-            <a:solidFill>
-              <a:schemeClr val="accent1"/>
-            </a:solidFill>
-            <a:ln>
-              <a:noFill/>
-            </a:ln>
-          </p:spPr>
-          <p:txBody>
-            <a:bodyPr spcFirstLastPara="1" wrap="square" lIns="91425" tIns="91425" rIns="91425" bIns="91425" anchor="ctr" anchorCtr="0">
-              <a:noAutofit/>
-            </a:bodyPr>
-            <a:lstStyle/>
-            <a:p>
-              <a:pPr marL="0" lvl="0" indent="0" algn="l" rtl="0">
-                <a:spcBef>
-                  <a:spcPts val="0"/>
-                </a:spcBef>
-                <a:spcAft>
-                  <a:spcPts val="0"/>
-                </a:spcAft>
-                <a:buNone/>
-              </a:pPr>
-              <a:endParaRPr/>
-            </a:p>
-          </p:txBody>
-        </p:sp>
-      </p:grpSp>
-      <p:sp>
-        <p:nvSpPr>
-          <p:cNvPr id="1069" name="Google Shape;1069;p76"/>
-          <p:cNvSpPr txBox="1"/>
-          <p:nvPr/>
-        </p:nvSpPr>
-        <p:spPr>
-          <a:xfrm>
-            <a:off x="3296050" y="4147574"/>
-            <a:ext cx="2551800" cy="306300"/>
-          </a:xfrm>
-          <a:prstGeom prst="rect">
-            <a:avLst/>
-          </a:prstGeom>
-          <a:noFill/>
-          <a:ln>
-            <a:noFill/>
-          </a:ln>
-        </p:spPr>
-        <p:txBody>
-          <a:bodyPr spcFirstLastPara="1" wrap="square" lIns="91425" tIns="91425" rIns="91425" bIns="91425" anchor="t" anchorCtr="0">
-            <a:noAutofit/>
-          </a:bodyPr>
-          <a:lstStyle/>
-          <a:p>
-            <a:pPr marL="0" lvl="0" indent="0" algn="l" rtl="0">
-              <a:spcBef>
-                <a:spcPts val="0"/>
-              </a:spcBef>
-              <a:spcAft>
-                <a:spcPts val="0"/>
-              </a:spcAft>
-              <a:buClr>
-                <a:schemeClr val="hlink"/>
-              </a:buClr>
-              <a:buSzPts val="1100"/>
-              <a:buFont typeface="Arial"/>
-              <a:buNone/>
-            </a:pPr>
-            <a:r>
-              <a:rPr lang="en" sz="1100">
-                <a:solidFill>
-                  <a:schemeClr val="dk1"/>
-                </a:solidFill>
-                <a:latin typeface="Raleway"/>
-                <a:ea typeface="Raleway"/>
-                <a:cs typeface="Raleway"/>
-                <a:sym typeface="Raleway"/>
-              </a:rPr>
-              <a:t>Please keep this slide for attribution</a:t>
-            </a:r>
-            <a:endParaRPr sz="1100">
-              <a:solidFill>
-                <a:schemeClr val="dk1"/>
-              </a:solidFill>
-              <a:latin typeface="Raleway"/>
-              <a:ea typeface="Raleway"/>
-              <a:cs typeface="Raleway"/>
-              <a:sym typeface="Raleway"/>
-            </a:endParaRPr>
-          </a:p>
-          <a:p>
-            <a:pPr marL="0" lvl="0" indent="0" algn="l" rtl="0">
-              <a:spcBef>
-                <a:spcPts val="0"/>
-              </a:spcBef>
-              <a:spcAft>
-                <a:spcPts val="0"/>
-              </a:spcAft>
-              <a:buClr>
-                <a:schemeClr val="hlink"/>
-              </a:buClr>
-              <a:buSzPts val="1100"/>
-              <a:buFont typeface="Arial"/>
-              <a:buNone/>
-            </a:pPr>
-            <a:endParaRPr sz="1100">
-              <a:solidFill>
-                <a:schemeClr val="dk1"/>
-              </a:solidFill>
-              <a:latin typeface="Raleway"/>
-              <a:ea typeface="Raleway"/>
-              <a:cs typeface="Raleway"/>
-              <a:sym typeface="Raleway"/>
-            </a:endParaRPr>
-          </a:p>
-          <a:p>
-            <a:pPr marL="0" lvl="0" indent="0" algn="l" rtl="0">
-              <a:spcBef>
-                <a:spcPts val="0"/>
-              </a:spcBef>
-              <a:spcAft>
-                <a:spcPts val="0"/>
-              </a:spcAft>
-              <a:buNone/>
-            </a:pPr>
-            <a:endParaRPr sz="1100">
-              <a:solidFill>
-                <a:schemeClr val="dk1"/>
-              </a:solidFill>
-              <a:latin typeface="Raleway"/>
-              <a:ea typeface="Raleway"/>
-              <a:cs typeface="Raleway"/>
-              <a:sym typeface="Raleway"/>
-            </a:endParaRPr>
+            <a:endParaRPr dirty="0"/>
           </a:p>
         </p:txBody>
       </p:sp>

--- a/CA1/PartA/Fashion Mnsit .pptx
+++ b/CA1/PartA/Fashion Mnsit .pptx
@@ -33,25 +33,25 @@
   <p:notesSz cx="6858000" cy="9144000"/>
   <p:embeddedFontLst>
     <p:embeddedFont>
-      <p:font typeface="Raleway Medium" panose="020B0604020202020204" charset="0"/>
+      <p:font typeface="Bebas Neue" panose="020B0606020202050201" pitchFamily="34" charset="0"/>
       <p:regular r:id="rId23"/>
-      <p:bold r:id="rId24"/>
-      <p:italic r:id="rId25"/>
-      <p:boldItalic r:id="rId26"/>
     </p:embeddedFont>
     <p:embeddedFont>
-      <p:font typeface="Nunito" panose="020B0604020202020204" charset="0"/>
-      <p:regular r:id="rId27"/>
-      <p:bold r:id="rId28"/>
-      <p:italic r:id="rId29"/>
-      <p:boldItalic r:id="rId30"/>
+      <p:font typeface="Nunito" pitchFamily="2" charset="0"/>
+      <p:regular r:id="rId24"/>
+      <p:bold r:id="rId25"/>
+      <p:italic r:id="rId26"/>
+      <p:boldItalic r:id="rId27"/>
     </p:embeddedFont>
     <p:embeddedFont>
-      <p:font typeface="Bebas Neue" panose="020B0604020202020204" charset="0"/>
-      <p:regular r:id="rId31"/>
+      <p:font typeface="Raleway" pitchFamily="2" charset="0"/>
+      <p:regular r:id="rId28"/>
+      <p:bold r:id="rId29"/>
+      <p:italic r:id="rId30"/>
+      <p:boldItalic r:id="rId31"/>
     </p:embeddedFont>
     <p:embeddedFont>
-      <p:font typeface="Raleway" panose="020B0604020202020204" charset="0"/>
+      <p:font typeface="Raleway Medium" pitchFamily="2" charset="0"/>
       <p:regular r:id="rId32"/>
       <p:bold r:id="rId33"/>
       <p:italic r:id="rId34"/>
@@ -293,6 +293,99 @@
     </p:ext>
   </p:extLst>
 </p:presentation>
+</file>
+
+<file path=ppt/changesInfos/changesInfo1.xml><?xml version="1.0" encoding="utf-8"?>
+<pc:chgInfo xmlns:a="http://schemas.openxmlformats.org/drawingml/2006/main" xmlns:r="http://schemas.openxmlformats.org/officeDocument/2006/relationships" xmlns:ac="http://schemas.microsoft.com/office/drawing/2013/main/command" xmlns:pc="http://schemas.microsoft.com/office/powerpoint/2013/main/command">
+  <pc:docChgLst>
+    <pc:chgData name="HAJA AMIR RAHMAN" userId="468123a8-4d3b-4a6f-93be-28fdda5a091b" providerId="ADAL" clId="{FAD1407B-8279-4CF1-99EA-B44532A991DD}"/>
+    <pc:docChg chg="custSel modSld">
+      <pc:chgData name="HAJA AMIR RAHMAN" userId="468123a8-4d3b-4a6f-93be-28fdda5a091b" providerId="ADAL" clId="{FAD1407B-8279-4CF1-99EA-B44532A991DD}" dt="2022-11-25T14:30:08.657" v="1" actId="1076"/>
+      <pc:docMkLst>
+        <pc:docMk/>
+      </pc:docMkLst>
+      <pc:sldChg chg="delSp modSp mod">
+        <pc:chgData name="HAJA AMIR RAHMAN" userId="468123a8-4d3b-4a6f-93be-28fdda5a091b" providerId="ADAL" clId="{FAD1407B-8279-4CF1-99EA-B44532A991DD}" dt="2022-11-25T14:30:08.657" v="1" actId="1076"/>
+        <pc:sldMkLst>
+          <pc:docMk/>
+          <pc:sldMk cId="0" sldId="275"/>
+        </pc:sldMkLst>
+        <pc:spChg chg="del">
+          <ac:chgData name="HAJA AMIR RAHMAN" userId="468123a8-4d3b-4a6f-93be-28fdda5a091b" providerId="ADAL" clId="{FAD1407B-8279-4CF1-99EA-B44532A991DD}" dt="2022-11-25T14:29:53.060" v="0" actId="478"/>
+          <ac:spMkLst>
+            <pc:docMk/>
+            <pc:sldMk cId="0" sldId="275"/>
+            <ac:spMk id="769" creationId="{00000000-0000-0000-0000-000000000000}"/>
+          </ac:spMkLst>
+        </pc:spChg>
+        <pc:spChg chg="del">
+          <ac:chgData name="HAJA AMIR RAHMAN" userId="468123a8-4d3b-4a6f-93be-28fdda5a091b" providerId="ADAL" clId="{FAD1407B-8279-4CF1-99EA-B44532A991DD}" dt="2022-11-25T14:29:53.060" v="0" actId="478"/>
+          <ac:spMkLst>
+            <pc:docMk/>
+            <pc:sldMk cId="0" sldId="275"/>
+            <ac:spMk id="770" creationId="{00000000-0000-0000-0000-000000000000}"/>
+          </ac:spMkLst>
+        </pc:spChg>
+        <pc:spChg chg="mod">
+          <ac:chgData name="HAJA AMIR RAHMAN" userId="468123a8-4d3b-4a6f-93be-28fdda5a091b" providerId="ADAL" clId="{FAD1407B-8279-4CF1-99EA-B44532A991DD}" dt="2022-11-25T14:30:08.657" v="1" actId="1076"/>
+          <ac:spMkLst>
+            <pc:docMk/>
+            <pc:sldMk cId="0" sldId="275"/>
+            <ac:spMk id="771" creationId="{00000000-0000-0000-0000-000000000000}"/>
+          </ac:spMkLst>
+        </pc:spChg>
+        <pc:spChg chg="mod">
+          <ac:chgData name="HAJA AMIR RAHMAN" userId="468123a8-4d3b-4a6f-93be-28fdda5a091b" providerId="ADAL" clId="{FAD1407B-8279-4CF1-99EA-B44532A991DD}" dt="2022-11-25T14:30:08.657" v="1" actId="1076"/>
+          <ac:spMkLst>
+            <pc:docMk/>
+            <pc:sldMk cId="0" sldId="275"/>
+            <ac:spMk id="772" creationId="{00000000-0000-0000-0000-000000000000}"/>
+          </ac:spMkLst>
+        </pc:spChg>
+        <pc:spChg chg="mod">
+          <ac:chgData name="HAJA AMIR RAHMAN" userId="468123a8-4d3b-4a6f-93be-28fdda5a091b" providerId="ADAL" clId="{FAD1407B-8279-4CF1-99EA-B44532A991DD}" dt="2022-11-25T14:30:08.657" v="1" actId="1076"/>
+          <ac:spMkLst>
+            <pc:docMk/>
+            <pc:sldMk cId="0" sldId="275"/>
+            <ac:spMk id="783" creationId="{00000000-0000-0000-0000-000000000000}"/>
+          </ac:spMkLst>
+        </pc:spChg>
+        <pc:spChg chg="mod">
+          <ac:chgData name="HAJA AMIR RAHMAN" userId="468123a8-4d3b-4a6f-93be-28fdda5a091b" providerId="ADAL" clId="{FAD1407B-8279-4CF1-99EA-B44532A991DD}" dt="2022-11-25T14:30:08.657" v="1" actId="1076"/>
+          <ac:spMkLst>
+            <pc:docMk/>
+            <pc:sldMk cId="0" sldId="275"/>
+            <ac:spMk id="784" creationId="{00000000-0000-0000-0000-000000000000}"/>
+          </ac:spMkLst>
+        </pc:spChg>
+        <pc:spChg chg="mod">
+          <ac:chgData name="HAJA AMIR RAHMAN" userId="468123a8-4d3b-4a6f-93be-28fdda5a091b" providerId="ADAL" clId="{FAD1407B-8279-4CF1-99EA-B44532A991DD}" dt="2022-11-25T14:30:08.657" v="1" actId="1076"/>
+          <ac:spMkLst>
+            <pc:docMk/>
+            <pc:sldMk cId="0" sldId="275"/>
+            <ac:spMk id="785" creationId="{00000000-0000-0000-0000-000000000000}"/>
+          </ac:spMkLst>
+        </pc:spChg>
+        <pc:spChg chg="mod">
+          <ac:chgData name="HAJA AMIR RAHMAN" userId="468123a8-4d3b-4a6f-93be-28fdda5a091b" providerId="ADAL" clId="{FAD1407B-8279-4CF1-99EA-B44532A991DD}" dt="2022-11-25T14:30:08.657" v="1" actId="1076"/>
+          <ac:spMkLst>
+            <pc:docMk/>
+            <pc:sldMk cId="0" sldId="275"/>
+            <ac:spMk id="786" creationId="{00000000-0000-0000-0000-000000000000}"/>
+          </ac:spMkLst>
+        </pc:spChg>
+        <pc:picChg chg="mod">
+          <ac:chgData name="HAJA AMIR RAHMAN" userId="468123a8-4d3b-4a6f-93be-28fdda5a091b" providerId="ADAL" clId="{FAD1407B-8279-4CF1-99EA-B44532A991DD}" dt="2022-11-25T14:30:08.657" v="1" actId="1076"/>
+          <ac:picMkLst>
+            <pc:docMk/>
+            <pc:sldMk cId="0" sldId="275"/>
+            <ac:picMk id="787" creationId="{00000000-0000-0000-0000-000000000000}"/>
+          </ac:picMkLst>
+        </pc:picChg>
+      </pc:sldChg>
+    </pc:docChg>
+  </pc:docChgLst>
+</pc:chgInfo>
 </file>
 
 <file path=ppt/notesMasters/notesMaster1.xml><?xml version="1.0" encoding="utf-8"?>
@@ -1077,7 +1170,7 @@
         </p:nvSpPr>
         <p:spPr>
           <a:xfrm>
-            <a:off x="381300" y="685800"/>
+            <a:off x="381000" y="685800"/>
             <a:ext cx="6096000" cy="3429000"/>
           </a:xfrm>
           <a:custGeom>
@@ -15354,7 +15447,7 @@
                 <a:hlinkClick r:id="rId2">
                   <a:extLst>
                     <a:ext uri="{A12FA001-AC4F-418D-AE19-62706E023703}">
-                      <ahyp:hlinkClr xmlns:ahyp="http://schemas.microsoft.com/office/drawing/2018/hyperlinkcolor" xmlns:p15="http://schemas.microsoft.com/office/powerpoint/2012/main" xmlns:p14="http://schemas.microsoft.com/office/powerpoint/2010/main" xmlns:com="http://schemas.openxmlformats.org/drawingml/2006/compatibility" xmlns:pvml="urn:schemas-microsoft-com:office:powerpoint" xmlns:v="urn:schemas-microsoft-com:vml" xmlns:o="urn:schemas-microsoft-com:office:office" xmlns:dgm="http://schemas.openxmlformats.org/drawingml/2006/diagram" xmlns:c="http://schemas.openxmlformats.org/drawingml/2006/chart" xmlns:mv="urn:schemas-microsoft-com:mac:vml" xmlns:mc="http://schemas.openxmlformats.org/markup-compatibility/2006" xmlns="" val="tx"/>
+                      <ahyp:hlinkClr xmlns:ahyp="http://schemas.microsoft.com/office/drawing/2018/hyperlinkcolor" val="tx"/>
                     </a:ext>
                   </a:extLst>
                 </a:hlinkClick>
@@ -15388,7 +15481,7 @@
                 <a:hlinkClick r:id="rId3">
                   <a:extLst>
                     <a:ext uri="{A12FA001-AC4F-418D-AE19-62706E023703}">
-                      <ahyp:hlinkClr xmlns:ahyp="http://schemas.microsoft.com/office/drawing/2018/hyperlinkcolor" xmlns:p15="http://schemas.microsoft.com/office/powerpoint/2012/main" xmlns:p14="http://schemas.microsoft.com/office/powerpoint/2010/main" xmlns:com="http://schemas.openxmlformats.org/drawingml/2006/compatibility" xmlns:pvml="urn:schemas-microsoft-com:office:powerpoint" xmlns:v="urn:schemas-microsoft-com:vml" xmlns:o="urn:schemas-microsoft-com:office:office" xmlns:dgm="http://schemas.openxmlformats.org/drawingml/2006/diagram" xmlns:c="http://schemas.openxmlformats.org/drawingml/2006/chart" xmlns:mv="urn:schemas-microsoft-com:mac:vml" xmlns:mc="http://schemas.openxmlformats.org/markup-compatibility/2006" xmlns="" val="tx"/>
+                      <ahyp:hlinkClr xmlns:ahyp="http://schemas.microsoft.com/office/drawing/2018/hyperlinkcolor" val="tx"/>
                     </a:ext>
                   </a:extLst>
                 </a:hlinkClick>
@@ -15422,7 +15515,7 @@
                 <a:hlinkClick r:id="rId4">
                   <a:extLst>
                     <a:ext uri="{A12FA001-AC4F-418D-AE19-62706E023703}">
-                      <ahyp:hlinkClr xmlns:ahyp="http://schemas.microsoft.com/office/drawing/2018/hyperlinkcolor" xmlns:p15="http://schemas.microsoft.com/office/powerpoint/2012/main" xmlns:p14="http://schemas.microsoft.com/office/powerpoint/2010/main" xmlns:com="http://schemas.openxmlformats.org/drawingml/2006/compatibility" xmlns:pvml="urn:schemas-microsoft-com:office:powerpoint" xmlns:v="urn:schemas-microsoft-com:vml" xmlns:o="urn:schemas-microsoft-com:office:office" xmlns:dgm="http://schemas.openxmlformats.org/drawingml/2006/diagram" xmlns:c="http://schemas.openxmlformats.org/drawingml/2006/chart" xmlns:mv="urn:schemas-microsoft-com:mac:vml" xmlns:mc="http://schemas.openxmlformats.org/markup-compatibility/2006" xmlns="" val="tx"/>
+                      <ahyp:hlinkClr xmlns:ahyp="http://schemas.microsoft.com/office/drawing/2018/hyperlinkcolor" val="tx"/>
                     </a:ext>
                   </a:extLst>
                 </a:hlinkClick>
@@ -29844,11 +29937,11 @@
               <a:buNone/>
             </a:pPr>
             <a:r>
-              <a:rPr lang="en-US" dirty="0" smtClean="0"/>
+              <a:rPr lang="en-US" dirty="0"/>
               <a:t>O</a:t>
             </a:r>
             <a:r>
-              <a:rPr lang="en" dirty="0" smtClean="0"/>
+              <a:rPr lang="en" dirty="0"/>
               <a:t>wn model architecure and evaluation</a:t>
             </a:r>
             <a:endParaRPr dirty="0"/>
@@ -31357,13 +31450,13 @@
       </p:sp>
       <p:sp>
         <p:nvSpPr>
-          <p:cNvPr id="769" name="Google Shape;769;p57"/>
+          <p:cNvPr id="771" name="Google Shape;771;p57"/>
           <p:cNvSpPr txBox="1"/>
           <p:nvPr/>
         </p:nvSpPr>
         <p:spPr>
           <a:xfrm>
-            <a:off x="1034324" y="1430175"/>
+            <a:off x="1034324" y="1800716"/>
             <a:ext cx="3978600" cy="328800"/>
           </a:xfrm>
           <a:prstGeom prst="rect">
@@ -31390,123 +31483,7 @@
               <a:buNone/>
             </a:pPr>
             <a:r>
-              <a:rPr lang="en" sz="2500">
-                <a:solidFill>
-                  <a:schemeClr val="accent2"/>
-                </a:solidFill>
-                <a:latin typeface="Bebas Neue"/>
-                <a:ea typeface="Bebas Neue"/>
-                <a:cs typeface="Bebas Neue"/>
-                <a:sym typeface="Bebas Neue"/>
-              </a:rPr>
-              <a:t>Normalization</a:t>
-            </a:r>
-            <a:endParaRPr sz="2500">
-              <a:solidFill>
-                <a:schemeClr val="accent2"/>
-              </a:solidFill>
-              <a:latin typeface="Bebas Neue"/>
-              <a:ea typeface="Bebas Neue"/>
-              <a:cs typeface="Bebas Neue"/>
-              <a:sym typeface="Bebas Neue"/>
-            </a:endParaRPr>
-          </a:p>
-        </p:txBody>
-      </p:sp>
-      <p:sp>
-        <p:nvSpPr>
-          <p:cNvPr id="770" name="Google Shape;770;p57"/>
-          <p:cNvSpPr txBox="1"/>
-          <p:nvPr/>
-        </p:nvSpPr>
-        <p:spPr>
-          <a:xfrm>
-            <a:off x="1034325" y="1745550"/>
-            <a:ext cx="3978600" cy="386700"/>
-          </a:xfrm>
-          <a:prstGeom prst="rect">
-            <a:avLst/>
-          </a:prstGeom>
-          <a:noFill/>
-          <a:ln>
-            <a:noFill/>
-          </a:ln>
-        </p:spPr>
-        <p:txBody>
-          <a:bodyPr spcFirstLastPara="1" wrap="square" lIns="91425" tIns="91425" rIns="91425" bIns="91425" anchor="ctr" anchorCtr="0">
-            <a:noAutofit/>
-          </a:bodyPr>
-          <a:lstStyle/>
-          <a:p>
-            <a:pPr marL="0" lvl="0" indent="0" algn="l" rtl="0">
-              <a:spcBef>
-                <a:spcPts val="0"/>
-              </a:spcBef>
-              <a:spcAft>
-                <a:spcPts val="0"/>
-              </a:spcAft>
-              <a:buNone/>
-            </a:pPr>
-            <a:r>
-              <a:rPr lang="en">
-                <a:solidFill>
-                  <a:schemeClr val="accent2"/>
-                </a:solidFill>
-                <a:latin typeface="Raleway Medium"/>
-                <a:ea typeface="Raleway Medium"/>
-                <a:cs typeface="Raleway Medium"/>
-                <a:sym typeface="Raleway Medium"/>
-              </a:rPr>
-              <a:t>Mercury is the closest planet to the Sun</a:t>
-            </a:r>
-            <a:endParaRPr>
-              <a:solidFill>
-                <a:schemeClr val="accent2"/>
-              </a:solidFill>
-              <a:latin typeface="Raleway Medium"/>
-              <a:ea typeface="Raleway Medium"/>
-              <a:cs typeface="Raleway Medium"/>
-              <a:sym typeface="Raleway Medium"/>
-            </a:endParaRPr>
-          </a:p>
-        </p:txBody>
-      </p:sp>
-      <p:sp>
-        <p:nvSpPr>
-          <p:cNvPr id="771" name="Google Shape;771;p57"/>
-          <p:cNvSpPr txBox="1"/>
-          <p:nvPr/>
-        </p:nvSpPr>
-        <p:spPr>
-          <a:xfrm>
-            <a:off x="1034324" y="2286491"/>
-            <a:ext cx="3978600" cy="328800"/>
-          </a:xfrm>
-          <a:prstGeom prst="rect">
-            <a:avLst/>
-          </a:prstGeom>
-          <a:noFill/>
-          <a:ln>
-            <a:noFill/>
-          </a:ln>
-        </p:spPr>
-        <p:txBody>
-          <a:bodyPr spcFirstLastPara="1" wrap="square" lIns="91425" tIns="91425" rIns="91425" bIns="91425" anchor="ctr" anchorCtr="0">
-            <a:noAutofit/>
-          </a:bodyPr>
-          <a:lstStyle/>
-          <a:p>
-            <a:pPr marL="0" lvl="0" indent="0" algn="l" rtl="0">
-              <a:spcBef>
-                <a:spcPts val="0"/>
-              </a:spcBef>
-              <a:spcAft>
-                <a:spcPts val="0"/>
-              </a:spcAft>
-              <a:buNone/>
-            </a:pPr>
-            <a:r>
-              <a:rPr lang="en" sz="2500">
+              <a:rPr lang="en" sz="2500" dirty="0">
                 <a:solidFill>
                   <a:schemeClr val="accent2"/>
                 </a:solidFill>
@@ -31517,7 +31494,7 @@
               </a:rPr>
               <a:t>Flipped images</a:t>
             </a:r>
-            <a:endParaRPr sz="2500">
+            <a:endParaRPr sz="2500" dirty="0">
               <a:solidFill>
                 <a:schemeClr val="accent2"/>
               </a:solidFill>
@@ -31537,7 +31514,7 @@
         </p:nvSpPr>
         <p:spPr>
           <a:xfrm>
-            <a:off x="1034324" y="2597604"/>
+            <a:off x="1034324" y="2111829"/>
             <a:ext cx="3978600" cy="384000"/>
           </a:xfrm>
           <a:prstGeom prst="rect">
@@ -32185,7 +32162,7 @@
         </p:nvSpPr>
         <p:spPr>
           <a:xfrm>
-            <a:off x="1034324" y="3142800"/>
+            <a:off x="1034324" y="2657025"/>
             <a:ext cx="3978600" cy="328800"/>
           </a:xfrm>
           <a:prstGeom prst="rect">
@@ -32243,7 +32220,7 @@
         </p:nvSpPr>
         <p:spPr>
           <a:xfrm>
-            <a:off x="1034325" y="3458175"/>
+            <a:off x="1034325" y="2972400"/>
             <a:ext cx="3978600" cy="386700"/>
           </a:xfrm>
           <a:prstGeom prst="rect">
@@ -32301,7 +32278,7 @@
         </p:nvSpPr>
         <p:spPr>
           <a:xfrm>
-            <a:off x="1034325" y="3994850"/>
+            <a:off x="1034325" y="3509075"/>
             <a:ext cx="5129400" cy="328800"/>
           </a:xfrm>
           <a:prstGeom prst="rect">
@@ -32359,7 +32336,7 @@
         </p:nvSpPr>
         <p:spPr>
           <a:xfrm>
-            <a:off x="1034325" y="4538825"/>
+            <a:off x="1034325" y="4053050"/>
             <a:ext cx="5533200" cy="384000"/>
           </a:xfrm>
           <a:prstGeom prst="rect">
@@ -32425,7 +32402,7 @@
         </p:blipFill>
         <p:spPr>
           <a:xfrm>
-            <a:off x="3187372" y="2333384"/>
+            <a:off x="3187372" y="1847609"/>
             <a:ext cx="5055584" cy="1087062"/>
           </a:xfrm>
           <a:prstGeom prst="rect">
@@ -32498,11 +32475,7 @@
             </a:pPr>
             <a:r>
               <a:rPr lang="en" dirty="0"/>
-              <a:t>Own </a:t>
-            </a:r>
-            <a:r>
-              <a:rPr lang="en" dirty="0" smtClean="0"/>
-              <a:t>augmented model architecture AND EVALUATION</a:t>
+              <a:t>Own augmented model architecture AND EVALUATION</a:t>
             </a:r>
             <a:endParaRPr dirty="0"/>
           </a:p>
@@ -44293,7 +44266,7 @@
               <a:buNone/>
             </a:pPr>
             <a:r>
-              <a:rPr lang="en" dirty="0" smtClean="0"/>
+              <a:rPr lang="en" dirty="0"/>
               <a:t>Baseline model architecture and evaluation</a:t>
             </a:r>
             <a:endParaRPr dirty="0"/>

--- a/CA1/PartA/Fashion Mnsit .pptx
+++ b/CA1/PartA/Fashion Mnsit .pptx
@@ -299,13 +299,132 @@
 <pc:chgInfo xmlns:a="http://schemas.openxmlformats.org/drawingml/2006/main" xmlns:r="http://schemas.openxmlformats.org/officeDocument/2006/relationships" xmlns:ac="http://schemas.microsoft.com/office/drawing/2013/main/command" xmlns:pc="http://schemas.microsoft.com/office/powerpoint/2013/main/command">
   <pc:docChgLst>
     <pc:chgData name="HAJA AMIR RAHMAN" userId="468123a8-4d3b-4a6f-93be-28fdda5a091b" providerId="ADAL" clId="{FAD1407B-8279-4CF1-99EA-B44532A991DD}"/>
-    <pc:docChg chg="custSel modSld">
-      <pc:chgData name="HAJA AMIR RAHMAN" userId="468123a8-4d3b-4a6f-93be-28fdda5a091b" providerId="ADAL" clId="{FAD1407B-8279-4CF1-99EA-B44532A991DD}" dt="2022-11-25T14:30:08.657" v="1" actId="1076"/>
+    <pc:docChg chg="undo custSel modSld">
+      <pc:chgData name="HAJA AMIR RAHMAN" userId="468123a8-4d3b-4a6f-93be-28fdda5a091b" providerId="ADAL" clId="{FAD1407B-8279-4CF1-99EA-B44532A991DD}" dt="2022-11-30T12:44:05.256" v="5325" actId="20577"/>
       <pc:docMkLst>
         <pc:docMk/>
       </pc:docMkLst>
-      <pc:sldChg chg="delSp modSp mod">
-        <pc:chgData name="HAJA AMIR RAHMAN" userId="468123a8-4d3b-4a6f-93be-28fdda5a091b" providerId="ADAL" clId="{FAD1407B-8279-4CF1-99EA-B44532A991DD}" dt="2022-11-25T14:30:08.657" v="1" actId="1076"/>
+      <pc:sldChg chg="modNotesTx">
+        <pc:chgData name="HAJA AMIR RAHMAN" userId="468123a8-4d3b-4a6f-93be-28fdda5a091b" providerId="ADAL" clId="{FAD1407B-8279-4CF1-99EA-B44532A991DD}" dt="2022-11-30T12:24:28.023" v="1078" actId="20577"/>
+        <pc:sldMkLst>
+          <pc:docMk/>
+          <pc:sldMk cId="0" sldId="257"/>
+        </pc:sldMkLst>
+      </pc:sldChg>
+      <pc:sldChg chg="modNotesTx">
+        <pc:chgData name="HAJA AMIR RAHMAN" userId="468123a8-4d3b-4a6f-93be-28fdda5a091b" providerId="ADAL" clId="{FAD1407B-8279-4CF1-99EA-B44532A991DD}" dt="2022-11-30T12:28:20.743" v="1631" actId="20577"/>
+        <pc:sldMkLst>
+          <pc:docMk/>
+          <pc:sldMk cId="0" sldId="260"/>
+        </pc:sldMkLst>
+      </pc:sldChg>
+      <pc:sldChg chg="addSp delSp modSp mod">
+        <pc:chgData name="HAJA AMIR RAHMAN" userId="468123a8-4d3b-4a6f-93be-28fdda5a091b" providerId="ADAL" clId="{FAD1407B-8279-4CF1-99EA-B44532A991DD}" dt="2022-11-30T11:27:41.944" v="3" actId="478"/>
+        <pc:sldMkLst>
+          <pc:docMk/>
+          <pc:sldMk cId="0" sldId="264"/>
+        </pc:sldMkLst>
+        <pc:spChg chg="add del mod">
+          <ac:chgData name="HAJA AMIR RAHMAN" userId="468123a8-4d3b-4a6f-93be-28fdda5a091b" providerId="ADAL" clId="{FAD1407B-8279-4CF1-99EA-B44532A991DD}" dt="2022-11-30T11:27:41.944" v="3" actId="478"/>
+          <ac:spMkLst>
+            <pc:docMk/>
+            <pc:sldMk cId="0" sldId="264"/>
+            <ac:spMk id="3" creationId="{45A3187E-375B-C018-6740-57923C122A68}"/>
+          </ac:spMkLst>
+        </pc:spChg>
+        <pc:spChg chg="del">
+          <ac:chgData name="HAJA AMIR RAHMAN" userId="468123a8-4d3b-4a6f-93be-28fdda5a091b" providerId="ADAL" clId="{FAD1407B-8279-4CF1-99EA-B44532A991DD}" dt="2022-11-30T11:27:39.074" v="2" actId="478"/>
+          <ac:spMkLst>
+            <pc:docMk/>
+            <pc:sldMk cId="0" sldId="264"/>
+            <ac:spMk id="549" creationId="{00000000-0000-0000-0000-000000000000}"/>
+          </ac:spMkLst>
+        </pc:spChg>
+      </pc:sldChg>
+      <pc:sldChg chg="modNotesTx">
+        <pc:chgData name="HAJA AMIR RAHMAN" userId="468123a8-4d3b-4a6f-93be-28fdda5a091b" providerId="ADAL" clId="{FAD1407B-8279-4CF1-99EA-B44532A991DD}" dt="2022-11-30T12:30:13.717" v="2150" actId="20577"/>
+        <pc:sldMkLst>
+          <pc:docMk/>
+          <pc:sldMk cId="0" sldId="265"/>
+        </pc:sldMkLst>
+      </pc:sldChg>
+      <pc:sldChg chg="modNotesTx">
+        <pc:chgData name="HAJA AMIR RAHMAN" userId="468123a8-4d3b-4a6f-93be-28fdda5a091b" providerId="ADAL" clId="{FAD1407B-8279-4CF1-99EA-B44532A991DD}" dt="2022-11-30T12:33:35.646" v="2953" actId="20577"/>
+        <pc:sldMkLst>
+          <pc:docMk/>
+          <pc:sldMk cId="0" sldId="266"/>
+        </pc:sldMkLst>
+      </pc:sldChg>
+      <pc:sldChg chg="modNotesTx">
+        <pc:chgData name="HAJA AMIR RAHMAN" userId="468123a8-4d3b-4a6f-93be-28fdda5a091b" providerId="ADAL" clId="{FAD1407B-8279-4CF1-99EA-B44532A991DD}" dt="2022-11-30T12:32:04.281" v="2692" actId="20577"/>
+        <pc:sldMkLst>
+          <pc:docMk/>
+          <pc:sldMk cId="0" sldId="267"/>
+        </pc:sldMkLst>
+      </pc:sldChg>
+      <pc:sldChg chg="addSp delSp modSp mod">
+        <pc:chgData name="HAJA AMIR RAHMAN" userId="468123a8-4d3b-4a6f-93be-28fdda5a091b" providerId="ADAL" clId="{FAD1407B-8279-4CF1-99EA-B44532A991DD}" dt="2022-11-30T11:28:00.570" v="7" actId="478"/>
+        <pc:sldMkLst>
+          <pc:docMk/>
+          <pc:sldMk cId="0" sldId="270"/>
+        </pc:sldMkLst>
+        <pc:spChg chg="add del mod">
+          <ac:chgData name="HAJA AMIR RAHMAN" userId="468123a8-4d3b-4a6f-93be-28fdda5a091b" providerId="ADAL" clId="{FAD1407B-8279-4CF1-99EA-B44532A991DD}" dt="2022-11-30T11:28:00.570" v="7" actId="478"/>
+          <ac:spMkLst>
+            <pc:docMk/>
+            <pc:sldMk cId="0" sldId="270"/>
+            <ac:spMk id="3" creationId="{25134610-DEB8-B24A-A1DC-9949202D2E4C}"/>
+          </ac:spMkLst>
+        </pc:spChg>
+        <pc:spChg chg="mod">
+          <ac:chgData name="HAJA AMIR RAHMAN" userId="468123a8-4d3b-4a6f-93be-28fdda5a091b" providerId="ADAL" clId="{FAD1407B-8279-4CF1-99EA-B44532A991DD}" dt="2022-11-30T11:27:50.636" v="5" actId="1076"/>
+          <ac:spMkLst>
+            <pc:docMk/>
+            <pc:sldMk cId="0" sldId="270"/>
+            <ac:spMk id="684" creationId="{00000000-0000-0000-0000-000000000000}"/>
+          </ac:spMkLst>
+        </pc:spChg>
+        <pc:spChg chg="del">
+          <ac:chgData name="HAJA AMIR RAHMAN" userId="468123a8-4d3b-4a6f-93be-28fdda5a091b" providerId="ADAL" clId="{FAD1407B-8279-4CF1-99EA-B44532A991DD}" dt="2022-11-30T11:27:57.245" v="6" actId="478"/>
+          <ac:spMkLst>
+            <pc:docMk/>
+            <pc:sldMk cId="0" sldId="270"/>
+            <ac:spMk id="687" creationId="{00000000-0000-0000-0000-000000000000}"/>
+          </ac:spMkLst>
+        </pc:spChg>
+      </pc:sldChg>
+      <pc:sldChg chg="modNotesTx">
+        <pc:chgData name="HAJA AMIR RAHMAN" userId="468123a8-4d3b-4a6f-93be-28fdda5a091b" providerId="ADAL" clId="{FAD1407B-8279-4CF1-99EA-B44532A991DD}" dt="2022-11-30T12:36:15.625" v="3475" actId="20577"/>
+        <pc:sldMkLst>
+          <pc:docMk/>
+          <pc:sldMk cId="0" sldId="271"/>
+        </pc:sldMkLst>
+      </pc:sldChg>
+      <pc:sldChg chg="addSp delSp modSp mod">
+        <pc:chgData name="HAJA AMIR RAHMAN" userId="468123a8-4d3b-4a6f-93be-28fdda5a091b" providerId="ADAL" clId="{FAD1407B-8279-4CF1-99EA-B44532A991DD}" dt="2022-11-30T11:28:08.132" v="9" actId="478"/>
+        <pc:sldMkLst>
+          <pc:docMk/>
+          <pc:sldMk cId="0" sldId="273"/>
+        </pc:sldMkLst>
+        <pc:spChg chg="add del mod">
+          <ac:chgData name="HAJA AMIR RAHMAN" userId="468123a8-4d3b-4a6f-93be-28fdda5a091b" providerId="ADAL" clId="{FAD1407B-8279-4CF1-99EA-B44532A991DD}" dt="2022-11-30T11:28:08.132" v="9" actId="478"/>
+          <ac:spMkLst>
+            <pc:docMk/>
+            <pc:sldMk cId="0" sldId="273"/>
+            <ac:spMk id="3" creationId="{63B13FCA-B865-2A89-A22C-98A0D2CBA1B2}"/>
+          </ac:spMkLst>
+        </pc:spChg>
+        <pc:spChg chg="del">
+          <ac:chgData name="HAJA AMIR RAHMAN" userId="468123a8-4d3b-4a6f-93be-28fdda5a091b" providerId="ADAL" clId="{FAD1407B-8279-4CF1-99EA-B44532A991DD}" dt="2022-11-30T11:28:05.373" v="8" actId="478"/>
+          <ac:spMkLst>
+            <pc:docMk/>
+            <pc:sldMk cId="0" sldId="273"/>
+            <ac:spMk id="734" creationId="{00000000-0000-0000-0000-000000000000}"/>
+          </ac:spMkLst>
+        </pc:spChg>
+      </pc:sldChg>
+      <pc:sldChg chg="delSp modSp mod modNotesTx">
+        <pc:chgData name="HAJA AMIR RAHMAN" userId="468123a8-4d3b-4a6f-93be-28fdda5a091b" providerId="ADAL" clId="{FAD1407B-8279-4CF1-99EA-B44532A991DD}" dt="2022-11-30T12:37:49.663" v="3861" actId="20577"/>
         <pc:sldMkLst>
           <pc:docMk/>
           <pc:sldMk cId="0" sldId="275"/>
@@ -382,6 +501,111 @@
             <ac:picMk id="787" creationId="{00000000-0000-0000-0000-000000000000}"/>
           </ac:picMkLst>
         </pc:picChg>
+      </pc:sldChg>
+      <pc:sldChg chg="modNotesTx">
+        <pc:chgData name="HAJA AMIR RAHMAN" userId="468123a8-4d3b-4a6f-93be-28fdda5a091b" providerId="ADAL" clId="{FAD1407B-8279-4CF1-99EA-B44532A991DD}" dt="2022-11-30T12:38:40.026" v="4046" actId="20577"/>
+        <pc:sldMkLst>
+          <pc:docMk/>
+          <pc:sldMk cId="0" sldId="279"/>
+        </pc:sldMkLst>
+      </pc:sldChg>
+      <pc:sldChg chg="addSp delSp modSp mod">
+        <pc:chgData name="HAJA AMIR RAHMAN" userId="468123a8-4d3b-4a6f-93be-28fdda5a091b" providerId="ADAL" clId="{FAD1407B-8279-4CF1-99EA-B44532A991DD}" dt="2022-11-30T11:28:13.933" v="11" actId="478"/>
+        <pc:sldMkLst>
+          <pc:docMk/>
+          <pc:sldMk cId="0" sldId="281"/>
+        </pc:sldMkLst>
+        <pc:spChg chg="add del mod">
+          <ac:chgData name="HAJA AMIR RAHMAN" userId="468123a8-4d3b-4a6f-93be-28fdda5a091b" providerId="ADAL" clId="{FAD1407B-8279-4CF1-99EA-B44532A991DD}" dt="2022-11-30T11:28:13.933" v="11" actId="478"/>
+          <ac:spMkLst>
+            <pc:docMk/>
+            <pc:sldMk cId="0" sldId="281"/>
+            <ac:spMk id="3" creationId="{01821798-7041-E0F3-6FF6-0DFFD743629E}"/>
+          </ac:spMkLst>
+        </pc:spChg>
+        <pc:spChg chg="del">
+          <ac:chgData name="HAJA AMIR RAHMAN" userId="468123a8-4d3b-4a6f-93be-28fdda5a091b" providerId="ADAL" clId="{FAD1407B-8279-4CF1-99EA-B44532A991DD}" dt="2022-11-30T11:28:13.047" v="10" actId="478"/>
+          <ac:spMkLst>
+            <pc:docMk/>
+            <pc:sldMk cId="0" sldId="281"/>
+            <ac:spMk id="850" creationId="{00000000-0000-0000-0000-000000000000}"/>
+          </ac:spMkLst>
+        </pc:spChg>
+      </pc:sldChg>
+      <pc:sldChg chg="modNotesTx">
+        <pc:chgData name="HAJA AMIR RAHMAN" userId="468123a8-4d3b-4a6f-93be-28fdda5a091b" providerId="ADAL" clId="{FAD1407B-8279-4CF1-99EA-B44532A991DD}" dt="2022-11-30T12:40:50.103" v="4702" actId="20577"/>
+        <pc:sldMkLst>
+          <pc:docMk/>
+          <pc:sldMk cId="0" sldId="283"/>
+        </pc:sldMkLst>
+      </pc:sldChg>
+      <pc:sldChg chg="modNotesTx">
+        <pc:chgData name="HAJA AMIR RAHMAN" userId="468123a8-4d3b-4a6f-93be-28fdda5a091b" providerId="ADAL" clId="{FAD1407B-8279-4CF1-99EA-B44532A991DD}" dt="2022-11-30T12:41:02.129" v="4727" actId="20577"/>
+        <pc:sldMkLst>
+          <pc:docMk/>
+          <pc:sldMk cId="0" sldId="284"/>
+        </pc:sldMkLst>
+      </pc:sldChg>
+      <pc:sldChg chg="modNotesTx">
+        <pc:chgData name="HAJA AMIR RAHMAN" userId="468123a8-4d3b-4a6f-93be-28fdda5a091b" providerId="ADAL" clId="{FAD1407B-8279-4CF1-99EA-B44532A991DD}" dt="2022-11-30T12:42:52.906" v="5097" actId="20577"/>
+        <pc:sldMkLst>
+          <pc:docMk/>
+          <pc:sldMk cId="0" sldId="287"/>
+        </pc:sldMkLst>
+      </pc:sldChg>
+      <pc:sldChg chg="addSp delSp modSp mod">
+        <pc:chgData name="HAJA AMIR RAHMAN" userId="468123a8-4d3b-4a6f-93be-28fdda5a091b" providerId="ADAL" clId="{FAD1407B-8279-4CF1-99EA-B44532A991DD}" dt="2022-11-30T11:28:29.296" v="18" actId="478"/>
+        <pc:sldMkLst>
+          <pc:docMk/>
+          <pc:sldMk cId="0" sldId="289"/>
+        </pc:sldMkLst>
+        <pc:spChg chg="add del mod">
+          <ac:chgData name="HAJA AMIR RAHMAN" userId="468123a8-4d3b-4a6f-93be-28fdda5a091b" providerId="ADAL" clId="{FAD1407B-8279-4CF1-99EA-B44532A991DD}" dt="2022-11-30T11:28:21.070" v="13" actId="478"/>
+          <ac:spMkLst>
+            <pc:docMk/>
+            <pc:sldMk cId="0" sldId="289"/>
+            <ac:spMk id="3" creationId="{BE813508-50BE-7CF2-792B-52FB1C661F7A}"/>
+          </ac:spMkLst>
+        </pc:spChg>
+        <pc:spChg chg="add del">
+          <ac:chgData name="HAJA AMIR RAHMAN" userId="468123a8-4d3b-4a6f-93be-28fdda5a091b" providerId="ADAL" clId="{FAD1407B-8279-4CF1-99EA-B44532A991DD}" dt="2022-11-30T11:28:25.809" v="16" actId="478"/>
+          <ac:spMkLst>
+            <pc:docMk/>
+            <pc:sldMk cId="0" sldId="289"/>
+            <ac:spMk id="950" creationId="{00000000-0000-0000-0000-000000000000}"/>
+          </ac:spMkLst>
+        </pc:spChg>
+        <pc:spChg chg="del">
+          <ac:chgData name="HAJA AMIR RAHMAN" userId="468123a8-4d3b-4a6f-93be-28fdda5a091b" providerId="ADAL" clId="{FAD1407B-8279-4CF1-99EA-B44532A991DD}" dt="2022-11-30T11:28:19.222" v="12" actId="478"/>
+          <ac:spMkLst>
+            <pc:docMk/>
+            <pc:sldMk cId="0" sldId="289"/>
+            <ac:spMk id="953" creationId="{00000000-0000-0000-0000-000000000000}"/>
+          </ac:spMkLst>
+        </pc:spChg>
+        <pc:spChg chg="add del">
+          <ac:chgData name="HAJA AMIR RAHMAN" userId="468123a8-4d3b-4a6f-93be-28fdda5a091b" providerId="ADAL" clId="{FAD1407B-8279-4CF1-99EA-B44532A991DD}" dt="2022-11-30T11:28:29.296" v="18" actId="478"/>
+          <ac:spMkLst>
+            <pc:docMk/>
+            <pc:sldMk cId="0" sldId="289"/>
+            <ac:spMk id="955" creationId="{00000000-0000-0000-0000-000000000000}"/>
+          </ac:spMkLst>
+        </pc:spChg>
+      </pc:sldChg>
+      <pc:sldChg chg="modSp mod modNotesTx">
+        <pc:chgData name="HAJA AMIR RAHMAN" userId="468123a8-4d3b-4a6f-93be-28fdda5a091b" providerId="ADAL" clId="{FAD1407B-8279-4CF1-99EA-B44532A991DD}" dt="2022-11-30T12:44:05.256" v="5325" actId="20577"/>
+        <pc:sldMkLst>
+          <pc:docMk/>
+          <pc:sldMk cId="0" sldId="291"/>
+        </pc:sldMkLst>
+        <pc:spChg chg="mod">
+          <ac:chgData name="HAJA AMIR RAHMAN" userId="468123a8-4d3b-4a6f-93be-28fdda5a091b" providerId="ADAL" clId="{FAD1407B-8279-4CF1-99EA-B44532A991DD}" dt="2022-11-30T12:44:05.256" v="5325" actId="20577"/>
+          <ac:spMkLst>
+            <pc:docMk/>
+            <pc:sldMk cId="0" sldId="291"/>
+            <ac:spMk id="979" creationId="{00000000-0000-0000-0000-000000000000}"/>
+          </ac:spMkLst>
+        </pc:spChg>
       </pc:sldChg>
     </pc:docChg>
   </pc:docChgLst>
@@ -1025,7 +1249,11 @@
               </a:spcAft>
               <a:buNone/>
             </a:pPr>
-            <a:endParaRPr/>
+            <a:r>
+              <a:rPr lang="en-US" dirty="0"/>
+              <a:t>Now for my own model that performed a lot better, I have a clear visualization of the architecture for your reference. The test accuracy is at 92.45% for this model</a:t>
+            </a:r>
+            <a:endParaRPr dirty="0"/>
           </a:p>
         </p:txBody>
       </p:sp>
@@ -1066,7 +1294,7 @@
         </p:nvSpPr>
         <p:spPr>
           <a:xfrm>
-            <a:off x="381300" y="685800"/>
+            <a:off x="381000" y="685800"/>
             <a:ext cx="6096000" cy="3429000"/>
           </a:xfrm>
           <a:custGeom>
@@ -1233,7 +1461,11 @@
               </a:spcAft>
               <a:buNone/>
             </a:pPr>
-            <a:endParaRPr/>
+            <a:r>
+              <a:rPr lang="en-US" dirty="0"/>
+              <a:t>For data augmentation, I flipped and cropped all the images and added them together into an augmented variable for training. Since the x train variable as essentially be multiplied by 3 we need to do the same for y train variable so that we have enough target data to train on</a:t>
+            </a:r>
+            <a:endParaRPr dirty="0"/>
           </a:p>
         </p:txBody>
       </p:sp>
@@ -1337,7 +1569,11 @@
               </a:spcAft>
               <a:buNone/>
             </a:pPr>
-            <a:endParaRPr/>
+            <a:r>
+              <a:rPr lang="en-US" dirty="0"/>
+              <a:t>These are the architecture and evaluation results of my own augmented model. The test accuracy is at 93.25% and the loss is at 0.28</a:t>
+            </a:r>
+            <a:endParaRPr dirty="0"/>
           </a:p>
         </p:txBody>
       </p:sp>
@@ -1378,7 +1614,7 @@
         </p:nvSpPr>
         <p:spPr>
           <a:xfrm>
-            <a:off x="381300" y="685800"/>
+            <a:off x="381000" y="685800"/>
             <a:ext cx="6096000" cy="3429000"/>
           </a:xfrm>
           <a:custGeom>
@@ -1482,7 +1718,7 @@
         </p:nvSpPr>
         <p:spPr>
           <a:xfrm>
-            <a:off x="381300" y="685800"/>
+            <a:off x="381000" y="685800"/>
             <a:ext cx="6096000" cy="3429000"/>
           </a:xfrm>
           <a:custGeom>
@@ -1545,7 +1781,19 @@
               </a:spcAft>
               <a:buNone/>
             </a:pPr>
-            <a:endParaRPr/>
+            <a:r>
+              <a:rPr lang="en-US" dirty="0"/>
+              <a:t>For model improvement I applied </a:t>
+            </a:r>
+            <a:r>
+              <a:rPr lang="en-US" dirty="0" err="1"/>
+              <a:t>keras</a:t>
+            </a:r>
+            <a:r>
+              <a:rPr lang="en-US" dirty="0"/>
+              <a:t> hyperband method which decided the best number of units in the first densely connected layer and the optimal learning rate. I used early stopping to monitor for max validation accuracy while the model is running with a patience of 5 so that though I set the model to run at 50 epochs it will auto stop once the learning rate is at  constant or the max validation accuracy is at a constant for both than 5 epochs</a:t>
+            </a:r>
+            <a:endParaRPr dirty="0"/>
           </a:p>
         </p:txBody>
       </p:sp>
@@ -1586,7 +1834,7 @@
         </p:nvSpPr>
         <p:spPr>
           <a:xfrm>
-            <a:off x="381300" y="685800"/>
+            <a:off x="381000" y="685800"/>
             <a:ext cx="6096000" cy="3429000"/>
           </a:xfrm>
           <a:custGeom>
@@ -1649,7 +1897,7 @@
               </a:spcAft>
               <a:buNone/>
             </a:pPr>
-            <a:endParaRPr/>
+            <a:endParaRPr dirty="0"/>
           </a:p>
         </p:txBody>
       </p:sp>
@@ -1753,7 +2001,11 @@
               </a:spcAft>
               <a:buNone/>
             </a:pPr>
-            <a:endParaRPr/>
+            <a:r>
+              <a:rPr lang="en-US" dirty="0"/>
+              <a:t>Here are the details for the hyper tuned model fit with augmented data for both training and validation. It achieved a test accuracy of 93.07% which is slightly lower than the score achieved by my own augmented model</a:t>
+            </a:r>
+            <a:endParaRPr dirty="0"/>
           </a:p>
         </p:txBody>
       </p:sp>
@@ -1794,7 +2046,7 @@
         </p:nvSpPr>
         <p:spPr>
           <a:xfrm>
-            <a:off x="381300" y="685800"/>
+            <a:off x="381000" y="685800"/>
             <a:ext cx="6096000" cy="3429000"/>
           </a:xfrm>
           <a:custGeom>
@@ -1961,7 +2213,19 @@
               </a:spcAft>
               <a:buNone/>
             </a:pPr>
-            <a:endParaRPr/>
+            <a:r>
+              <a:rPr lang="en-US" dirty="0"/>
+              <a:t>The final verdict is that my best model which is my own augmented model hit a test accuracy score of 93% while the non augmented hyper model’s test accuracy increased by </a:t>
+            </a:r>
+            <a:r>
+              <a:rPr lang="en-US" dirty="0" err="1"/>
+              <a:t>abt</a:t>
+            </a:r>
+            <a:r>
+              <a:rPr lang="en-US" dirty="0"/>
+              <a:t> 0.5-1%</a:t>
+            </a:r>
+            <a:endParaRPr dirty="0"/>
           </a:p>
         </p:txBody>
       </p:sp>
@@ -2002,7 +2266,7 @@
         </p:nvSpPr>
         <p:spPr>
           <a:xfrm>
-            <a:off x="381300" y="685800"/>
+            <a:off x="381000" y="685800"/>
             <a:ext cx="6096000" cy="3429000"/>
           </a:xfrm>
           <a:custGeom>
@@ -2065,7 +2329,27 @@
               </a:spcAft>
               <a:buNone/>
             </a:pPr>
-            <a:endParaRPr/>
+            <a:r>
+              <a:rPr lang="en-US" dirty="0"/>
+              <a:t>In this presentation I’m going to cover the main structure that I used to do this section of the assignment. First I’ll be explaining the data exploration aka EDA followed by the architecture and results of the this simple </a:t>
+            </a:r>
+            <a:r>
+              <a:rPr lang="en-US" dirty="0" err="1"/>
+              <a:t>basline</a:t>
+            </a:r>
+            <a:r>
+              <a:rPr lang="en-US" dirty="0"/>
+              <a:t> model, Then I’ll explain the architecture and evaluation of my own model then what type of data augmentation I performed for model improvement. Finally I’ll explain the model improvement process, in this case being hyper parameter tuning using </a:t>
+            </a:r>
+            <a:r>
+              <a:rPr lang="en-US" dirty="0" err="1"/>
+              <a:t>keras</a:t>
+            </a:r>
+            <a:r>
+              <a:rPr lang="en-US" dirty="0"/>
+              <a:t> tuner hyperband and lastly the conclusion with regards to the final verdict of the highest score achieved.</a:t>
+            </a:r>
+            <a:endParaRPr dirty="0"/>
           </a:p>
         </p:txBody>
       </p:sp>
@@ -2273,7 +2557,7 @@
               </a:spcAft>
               <a:buNone/>
             </a:pPr>
-            <a:endParaRPr/>
+            <a:endParaRPr dirty="0"/>
           </a:p>
         </p:txBody>
       </p:sp>
@@ -2314,7 +2598,7 @@
         </p:nvSpPr>
         <p:spPr>
           <a:xfrm>
-            <a:off x="381300" y="685800"/>
+            <a:off x="381000" y="685800"/>
             <a:ext cx="6096000" cy="3429000"/>
           </a:xfrm>
           <a:custGeom>
@@ -2377,7 +2661,11 @@
               </a:spcAft>
               <a:buNone/>
             </a:pPr>
-            <a:endParaRPr/>
+            <a:r>
+              <a:rPr lang="en-US" dirty="0"/>
+              <a:t>For EDA, I extracted the class names from the dataset information site (which I have included in the references). I then proceeded with the train test split after loading the data. Then I normalized the data by transforming the already split train test and validation data such that all of them are on a similar scale. This was useful since features in this dataset which are images are on different scales.</a:t>
+            </a:r>
+            <a:endParaRPr dirty="0"/>
           </a:p>
         </p:txBody>
       </p:sp>
@@ -2418,7 +2706,7 @@
         </p:nvSpPr>
         <p:spPr>
           <a:xfrm>
-            <a:off x="381300" y="685800"/>
+            <a:off x="381000" y="685800"/>
             <a:ext cx="6096000" cy="3429000"/>
           </a:xfrm>
           <a:custGeom>
@@ -2522,7 +2810,7 @@
         </p:nvSpPr>
         <p:spPr>
           <a:xfrm>
-            <a:off x="381300" y="685800"/>
+            <a:off x="381000" y="685800"/>
             <a:ext cx="6096000" cy="3429000"/>
           </a:xfrm>
           <a:custGeom>
@@ -2585,7 +2873,19 @@
               </a:spcAft>
               <a:buNone/>
             </a:pPr>
-            <a:endParaRPr/>
+            <a:r>
+              <a:rPr lang="en-US" dirty="0"/>
+              <a:t>For the simple baseline model, I created a simple architecture of one 2d convolutional layer, 1 flatten layer and 2 Dense layers. For the building, I fit the model with the x train and y train data and included the validation data as well so that I could calculate the training and the validation accuracy. After fitting the model, I used </a:t>
+            </a:r>
+            <a:r>
+              <a:rPr lang="en-US" dirty="0" err="1"/>
+              <a:t>model.checkpoints</a:t>
+            </a:r>
+            <a:r>
+              <a:rPr lang="en-US" dirty="0"/>
+              <a:t> to load the best weights for evaluation</a:t>
+            </a:r>
+            <a:endParaRPr dirty="0"/>
           </a:p>
         </p:txBody>
       </p:sp>
@@ -2626,7 +2926,7 @@
         </p:nvSpPr>
         <p:spPr>
           <a:xfrm>
-            <a:off x="381300" y="685800"/>
+            <a:off x="381000" y="685800"/>
             <a:ext cx="6096000" cy="3429000"/>
           </a:xfrm>
           <a:custGeom>
@@ -2689,7 +2989,11 @@
               </a:spcAft>
               <a:buNone/>
             </a:pPr>
-            <a:endParaRPr/>
+            <a:r>
+              <a:rPr lang="en-US" dirty="0"/>
+              <a:t>This slide is basically my explanation for using the model checkpoints function to achieve efficiency and accuracy in running my models and evaluating them to get the best results possible. This is a very useful methods especially if I do not wish to re-run the models all over again and just wish to load the already saved best weights or best model itself to prove evaluation results.</a:t>
+            </a:r>
+            <a:endParaRPr dirty="0"/>
           </a:p>
         </p:txBody>
       </p:sp>
@@ -2793,7 +3097,11 @@
               </a:spcAft>
               <a:buNone/>
             </a:pPr>
-            <a:endParaRPr/>
+            <a:r>
+              <a:rPr lang="en-US" dirty="0"/>
+              <a:t>This is a visualization of the architecture that I mentioned earlier and the best training and validation accuracy for the model in value and graph for convenient comparison </a:t>
+            </a:r>
+            <a:endParaRPr dirty="0"/>
           </a:p>
         </p:txBody>
       </p:sp>
@@ -2834,7 +3142,7 @@
         </p:nvSpPr>
         <p:spPr>
           <a:xfrm>
-            <a:off x="381300" y="685800"/>
+            <a:off x="381000" y="685800"/>
             <a:ext cx="6096000" cy="3429000"/>
           </a:xfrm>
           <a:custGeom>
@@ -30427,48 +30735,6 @@
           </a:p>
         </p:txBody>
       </p:sp>
-      <p:sp>
-        <p:nvSpPr>
-          <p:cNvPr id="734" name="Google Shape;734;p55"/>
-          <p:cNvSpPr txBox="1">
-            <a:spLocks noGrp="1"/>
-          </p:cNvSpPr>
-          <p:nvPr>
-            <p:ph type="subTitle" idx="1"/>
-          </p:nvPr>
-        </p:nvSpPr>
-        <p:spPr>
-          <a:xfrm>
-            <a:off x="1897842" y="3055967"/>
-            <a:ext cx="5350800" cy="713400"/>
-          </a:xfrm>
-          <a:prstGeom prst="rect">
-            <a:avLst/>
-          </a:prstGeom>
-        </p:spPr>
-        <p:txBody>
-          <a:bodyPr spcFirstLastPara="1" wrap="square" lIns="91425" tIns="91425" rIns="91425" bIns="91425" anchor="ctr" anchorCtr="0">
-            <a:noAutofit/>
-          </a:bodyPr>
-          <a:lstStyle/>
-          <a:p>
-            <a:pPr marL="0" lvl="0" indent="0" algn="ctr" rtl="0">
-              <a:spcBef>
-                <a:spcPts val="0"/>
-              </a:spcBef>
-              <a:spcAft>
-                <a:spcPts val="0"/>
-              </a:spcAft>
-              <a:buNone/>
-            </a:pPr>
-            <a:r>
-              <a:rPr lang="en"/>
-              <a:t>You can enter a subtitle here if you need it</a:t>
-            </a:r>
-            <a:endParaRPr/>
-          </a:p>
-        </p:txBody>
-      </p:sp>
       <p:grpSp>
         <p:nvGrpSpPr>
           <p:cNvPr id="735" name="Google Shape;735;p55"/>
@@ -32882,48 +33148,6 @@
           </a:p>
         </p:txBody>
       </p:sp>
-      <p:sp>
-        <p:nvSpPr>
-          <p:cNvPr id="850" name="Google Shape;850;p63"/>
-          <p:cNvSpPr txBox="1">
-            <a:spLocks noGrp="1"/>
-          </p:cNvSpPr>
-          <p:nvPr>
-            <p:ph type="subTitle" idx="1"/>
-          </p:nvPr>
-        </p:nvSpPr>
-        <p:spPr>
-          <a:xfrm>
-            <a:off x="2964642" y="3055967"/>
-            <a:ext cx="5350800" cy="713400"/>
-          </a:xfrm>
-          <a:prstGeom prst="rect">
-            <a:avLst/>
-          </a:prstGeom>
-        </p:spPr>
-        <p:txBody>
-          <a:bodyPr spcFirstLastPara="1" wrap="square" lIns="91425" tIns="91425" rIns="91425" bIns="91425" anchor="ctr" anchorCtr="0">
-            <a:noAutofit/>
-          </a:bodyPr>
-          <a:lstStyle/>
-          <a:p>
-            <a:pPr marL="0" lvl="0" indent="0" algn="ctr" rtl="0">
-              <a:spcBef>
-                <a:spcPts val="0"/>
-              </a:spcBef>
-              <a:spcAft>
-                <a:spcPts val="0"/>
-              </a:spcAft>
-              <a:buNone/>
-            </a:pPr>
-            <a:r>
-              <a:rPr lang="en"/>
-              <a:t>You can enter a subtitle here if you need it</a:t>
-            </a:r>
-            <a:endParaRPr/>
-          </a:p>
-        </p:txBody>
-      </p:sp>
       <p:grpSp>
         <p:nvGrpSpPr>
           <p:cNvPr id="851" name="Google Shape;851;p63"/>
@@ -35646,48 +35870,6 @@
           </a:p>
         </p:txBody>
       </p:sp>
-      <p:sp>
-        <p:nvSpPr>
-          <p:cNvPr id="953" name="Google Shape;953;p71"/>
-          <p:cNvSpPr txBox="1">
-            <a:spLocks noGrp="1"/>
-          </p:cNvSpPr>
-          <p:nvPr>
-            <p:ph type="subTitle" idx="1"/>
-          </p:nvPr>
-        </p:nvSpPr>
-        <p:spPr>
-          <a:xfrm>
-            <a:off x="1897842" y="3055967"/>
-            <a:ext cx="5350800" cy="713400"/>
-          </a:xfrm>
-          <a:prstGeom prst="rect">
-            <a:avLst/>
-          </a:prstGeom>
-        </p:spPr>
-        <p:txBody>
-          <a:bodyPr spcFirstLastPara="1" wrap="square" lIns="91425" tIns="91425" rIns="91425" bIns="91425" anchor="ctr" anchorCtr="0">
-            <a:noAutofit/>
-          </a:bodyPr>
-          <a:lstStyle/>
-          <a:p>
-            <a:pPr marL="0" lvl="0" indent="0" algn="ctr" rtl="0">
-              <a:spcBef>
-                <a:spcPts val="0"/>
-              </a:spcBef>
-              <a:spcAft>
-                <a:spcPts val="0"/>
-              </a:spcAft>
-              <a:buNone/>
-            </a:pPr>
-            <a:r>
-              <a:rPr lang="en"/>
-              <a:t>You can enter a subtitle here if you need it</a:t>
-            </a:r>
-            <a:endParaRPr/>
-          </a:p>
-        </p:txBody>
-      </p:sp>
       <p:cxnSp>
         <p:nvCxnSpPr>
           <p:cNvPr id="954" name="Google Shape;954;p71"/>
@@ -35714,48 +35896,6 @@
           </a:ln>
         </p:spPr>
       </p:cxnSp>
-      <p:sp>
-        <p:nvSpPr>
-          <p:cNvPr id="955" name="Google Shape;955;p71"/>
-          <p:cNvSpPr/>
-          <p:nvPr/>
-        </p:nvSpPr>
-        <p:spPr>
-          <a:xfrm>
-            <a:off x="5674116" y="350775"/>
-            <a:ext cx="998400" cy="998400"/>
-          </a:xfrm>
-          <a:prstGeom prst="ellipse">
-            <a:avLst/>
-          </a:prstGeom>
-          <a:solidFill>
-            <a:srgbClr val="000000">
-              <a:alpha val="38390"/>
-            </a:srgbClr>
-          </a:solidFill>
-          <a:ln>
-            <a:noFill/>
-          </a:ln>
-        </p:spPr>
-        <p:txBody>
-          <a:bodyPr spcFirstLastPara="1" wrap="square" lIns="91425" tIns="91425" rIns="91425" bIns="91425" anchor="ctr" anchorCtr="0">
-            <a:noAutofit/>
-          </a:bodyPr>
-          <a:lstStyle/>
-          <a:p>
-            <a:pPr marL="0" lvl="0" indent="0" algn="l" rtl="0">
-              <a:spcBef>
-                <a:spcPts val="0"/>
-              </a:spcBef>
-              <a:spcAft>
-                <a:spcPts val="0"/>
-              </a:spcAft>
-              <a:buNone/>
-            </a:pPr>
-            <a:endParaRPr/>
-          </a:p>
-        </p:txBody>
-      </p:sp>
       <p:grpSp>
         <p:nvGrpSpPr>
           <p:cNvPr id="956" name="Google Shape;956;p71"/>
@@ -36133,7 +36273,15 @@
             </a:pPr>
             <a:r>
               <a:rPr lang="en" sz="1400" dirty="0"/>
-              <a:t>Final Verdict augmented hyper model - improve to 93% (best)</a:t>
+              <a:t>Final Verdict </a:t>
+            </a:r>
+            <a:r>
+              <a:rPr lang="en" sz="1400"/>
+              <a:t>augmented own </a:t>
+            </a:r>
+            <a:r>
+              <a:rPr lang="en" sz="1400" dirty="0"/>
+              <a:t>model - improve to 93% (best)</a:t>
             </a:r>
             <a:endParaRPr sz="1400" dirty="0"/>
           </a:p>
@@ -40772,10 +40920,10 @@
               <a:buNone/>
             </a:pPr>
             <a:r>
-              <a:rPr lang="en"/>
+              <a:rPr lang="en" dirty="0"/>
               <a:t>Simple baseline model</a:t>
             </a:r>
-            <a:endParaRPr/>
+            <a:endParaRPr dirty="0"/>
           </a:p>
         </p:txBody>
       </p:sp>
@@ -40816,48 +40964,6 @@
             <a:r>
               <a:rPr lang="en"/>
               <a:t>02.</a:t>
-            </a:r>
-            <a:endParaRPr/>
-          </a:p>
-        </p:txBody>
-      </p:sp>
-      <p:sp>
-        <p:nvSpPr>
-          <p:cNvPr id="549" name="Google Shape;549;p46"/>
-          <p:cNvSpPr txBox="1">
-            <a:spLocks noGrp="1"/>
-          </p:cNvSpPr>
-          <p:nvPr>
-            <p:ph type="subTitle" idx="1"/>
-          </p:nvPr>
-        </p:nvSpPr>
-        <p:spPr>
-          <a:xfrm>
-            <a:off x="1039150" y="3685050"/>
-            <a:ext cx="5106000" cy="713400"/>
-          </a:xfrm>
-          <a:prstGeom prst="rect">
-            <a:avLst/>
-          </a:prstGeom>
-        </p:spPr>
-        <p:txBody>
-          <a:bodyPr spcFirstLastPara="1" wrap="square" lIns="91425" tIns="91425" rIns="91425" bIns="91425" anchor="ctr" anchorCtr="0">
-            <a:noAutofit/>
-          </a:bodyPr>
-          <a:lstStyle/>
-          <a:p>
-            <a:pPr marL="0" lvl="0" indent="0" algn="l" rtl="0">
-              <a:spcBef>
-                <a:spcPts val="0"/>
-              </a:spcBef>
-              <a:spcAft>
-                <a:spcPts val="0"/>
-              </a:spcAft>
-              <a:buNone/>
-            </a:pPr>
-            <a:r>
-              <a:rPr lang="en"/>
-              <a:t>You can enter a subtitle here if you need it</a:t>
             </a:r>
             <a:endParaRPr/>
           </a:p>
@@ -44747,48 +44853,6 @@
             <a:r>
               <a:rPr lang="en"/>
               <a:t>03.</a:t>
-            </a:r>
-            <a:endParaRPr/>
-          </a:p>
-        </p:txBody>
-      </p:sp>
-      <p:sp>
-        <p:nvSpPr>
-          <p:cNvPr id="687" name="Google Shape;687;p52"/>
-          <p:cNvSpPr txBox="1">
-            <a:spLocks noGrp="1"/>
-          </p:cNvSpPr>
-          <p:nvPr>
-            <p:ph type="subTitle" idx="1"/>
-          </p:nvPr>
-        </p:nvSpPr>
-        <p:spPr>
-          <a:xfrm>
-            <a:off x="2531017" y="3685058"/>
-            <a:ext cx="5350800" cy="713400"/>
-          </a:xfrm>
-          <a:prstGeom prst="rect">
-            <a:avLst/>
-          </a:prstGeom>
-        </p:spPr>
-        <p:txBody>
-          <a:bodyPr spcFirstLastPara="1" wrap="square" lIns="91425" tIns="91425" rIns="91425" bIns="91425" anchor="ctr" anchorCtr="0">
-            <a:noAutofit/>
-          </a:bodyPr>
-          <a:lstStyle/>
-          <a:p>
-            <a:pPr marL="0" lvl="0" indent="0" algn="ctr" rtl="0">
-              <a:spcBef>
-                <a:spcPts val="0"/>
-              </a:spcBef>
-              <a:spcAft>
-                <a:spcPts val="0"/>
-              </a:spcAft>
-              <a:buNone/>
-            </a:pPr>
-            <a:r>
-              <a:rPr lang="en"/>
-              <a:t>You can enter a subtitle here if you need it</a:t>
             </a:r>
             <a:endParaRPr/>
           </a:p>

--- a/CA1/PartA/Fashion Mnsit .pptx
+++ b/CA1/PartA/Fashion Mnsit .pptx
@@ -300,7 +300,7 @@
   <pc:docChgLst>
     <pc:chgData name="HAJA AMIR RAHMAN" userId="468123a8-4d3b-4a6f-93be-28fdda5a091b" providerId="ADAL" clId="{FAD1407B-8279-4CF1-99EA-B44532A991DD}"/>
     <pc:docChg chg="undo custSel modSld">
-      <pc:chgData name="HAJA AMIR RAHMAN" userId="468123a8-4d3b-4a6f-93be-28fdda5a091b" providerId="ADAL" clId="{FAD1407B-8279-4CF1-99EA-B44532A991DD}" dt="2022-11-30T12:44:05.256" v="5325" actId="20577"/>
+      <pc:chgData name="HAJA AMIR RAHMAN" userId="468123a8-4d3b-4a6f-93be-28fdda5a091b" providerId="ADAL" clId="{FAD1407B-8279-4CF1-99EA-B44532A991DD}" dt="2022-12-01T03:13:54.814" v="5326" actId="20577"/>
       <pc:docMkLst>
         <pc:docMk/>
       </pc:docMkLst>
@@ -312,7 +312,7 @@
         </pc:sldMkLst>
       </pc:sldChg>
       <pc:sldChg chg="modNotesTx">
-        <pc:chgData name="HAJA AMIR RAHMAN" userId="468123a8-4d3b-4a6f-93be-28fdda5a091b" providerId="ADAL" clId="{FAD1407B-8279-4CF1-99EA-B44532A991DD}" dt="2022-11-30T12:28:20.743" v="1631" actId="20577"/>
+        <pc:chgData name="HAJA AMIR RAHMAN" userId="468123a8-4d3b-4a6f-93be-28fdda5a091b" providerId="ADAL" clId="{FAD1407B-8279-4CF1-99EA-B44532A991DD}" dt="2022-12-01T03:13:54.814" v="5326" actId="20577"/>
         <pc:sldMkLst>
           <pc:docMk/>
           <pc:sldMk cId="0" sldId="260"/>
@@ -2663,7 +2663,11 @@
             </a:pPr>
             <a:r>
               <a:rPr lang="en-US" dirty="0"/>
-              <a:t>For EDA, I extracted the class names from the dataset information site (which I have included in the references). I then proceeded with the train test split after loading the data. Then I normalized the data by transforming the already split train test and validation data such that all of them are on a similar scale. This was useful since features in this dataset which are images are on different scales.</a:t>
+              <a:t>For EDA, I extracted the class names from the dataset information site (which I have included in the references). I then proceeded with the train test split after loading the data. Then I normalized the data by transforming the already split train test and validation data such that all of them are on a similar scale</a:t>
+            </a:r>
+            <a:r>
+              <a:rPr lang="en-US"/>
+              <a:t>. </a:t>
             </a:r>
             <a:endParaRPr dirty="0"/>
           </a:p>
